--- a/presentations/rev.pptx
+++ b/presentations/rev.pptx
@@ -5,15 +5,25 @@
     <p:sldMasterId id="2147483648" r:id="rId4"/>
   </p:sldMasterIdLst>
   <p:notesMasterIdLst>
-    <p:notesMasterId r:id="rId8"/>
+    <p:notesMasterId r:id="rId18"/>
   </p:notesMasterIdLst>
   <p:handoutMasterIdLst>
-    <p:handoutMasterId r:id="rId9"/>
+    <p:handoutMasterId r:id="rId19"/>
   </p:handoutMasterIdLst>
   <p:sldIdLst>
     <p:sldId id="256" r:id="rId5"/>
     <p:sldId id="502" r:id="rId6"/>
     <p:sldId id="501" r:id="rId7"/>
+    <p:sldId id="506" r:id="rId8"/>
+    <p:sldId id="509" r:id="rId9"/>
+    <p:sldId id="503" r:id="rId10"/>
+    <p:sldId id="504" r:id="rId11"/>
+    <p:sldId id="505" r:id="rId12"/>
+    <p:sldId id="507" r:id="rId13"/>
+    <p:sldId id="508" r:id="rId14"/>
+    <p:sldId id="510" r:id="rId15"/>
+    <p:sldId id="511" r:id="rId16"/>
+    <p:sldId id="512" r:id="rId17"/>
   </p:sldIdLst>
   <p:sldSz cx="9144000" cy="5143500" type="screen16x9"/>
   <p:notesSz cx="6858000" cy="9144000"/>
@@ -124,6 +134,16 @@
           <p14:sldIdLst>
             <p14:sldId id="502"/>
             <p14:sldId id="501"/>
+            <p14:sldId id="506"/>
+            <p14:sldId id="509"/>
+            <p14:sldId id="503"/>
+            <p14:sldId id="504"/>
+            <p14:sldId id="505"/>
+            <p14:sldId id="507"/>
+            <p14:sldId id="508"/>
+            <p14:sldId id="510"/>
+            <p14:sldId id="511"/>
+            <p14:sldId id="512"/>
           </p14:sldIdLst>
         </p14:section>
       </p14:sectionLst>
@@ -249,7 +269,7 @@
           <a:p>
             <a:fld id="{B43EB352-001E-784A-9C8B-30A1F944DD28}" type="datetimeFigureOut">
               <a:rPr lang="en-US" smtClean="0"/>
-              <a:t>1/26/22</a:t>
+              <a:t>2/3/22</a:t>
             </a:fld>
             <a:endParaRPr lang="en-US"/>
           </a:p>
@@ -425,7 +445,7 @@
           </a:lstStyle>
           <a:p>
             <a:fld id="{9D67FED6-1CE0-9E49-8E28-4BC1AFD39CD7}" type="datetimeFigureOut">
-              <a:t>1/26/22</a:t>
+              <a:t>2/3/22</a:t>
             </a:fld>
             <a:endParaRPr lang="en-US"/>
           </a:p>
@@ -775,6 +795,342 @@
 </p:notes>
 </file>
 
+<file path=ppt/notesSlides/notesSlide10.xml><?xml version="1.0" encoding="utf-8"?>
+<p:notes xmlns:a="http://schemas.openxmlformats.org/drawingml/2006/main" xmlns:r="http://schemas.openxmlformats.org/officeDocument/2006/relationships" xmlns:p="http://schemas.openxmlformats.org/presentationml/2006/main">
+  <p:cSld>
+    <p:spTree>
+      <p:nvGrpSpPr>
+        <p:cNvPr id="1" name=""/>
+        <p:cNvGrpSpPr/>
+        <p:nvPr/>
+      </p:nvGrpSpPr>
+      <p:grpSpPr>
+        <a:xfrm>
+          <a:off x="0" y="0"/>
+          <a:ext cx="0" cy="0"/>
+          <a:chOff x="0" y="0"/>
+          <a:chExt cx="0" cy="0"/>
+        </a:xfrm>
+      </p:grpSpPr>
+      <p:sp>
+        <p:nvSpPr>
+          <p:cNvPr id="2" name="Slide Image Placeholder 1"/>
+          <p:cNvSpPr>
+            <a:spLocks noGrp="1" noRot="1" noChangeAspect="1"/>
+          </p:cNvSpPr>
+          <p:nvPr>
+            <p:ph type="sldImg"/>
+          </p:nvPr>
+        </p:nvSpPr>
+        <p:spPr/>
+      </p:sp>
+      <p:sp>
+        <p:nvSpPr>
+          <p:cNvPr id="3" name="Notes Placeholder 2"/>
+          <p:cNvSpPr>
+            <a:spLocks noGrp="1"/>
+          </p:cNvSpPr>
+          <p:nvPr>
+            <p:ph type="body" idx="1"/>
+          </p:nvPr>
+        </p:nvSpPr>
+        <p:spPr/>
+        <p:txBody>
+          <a:bodyPr/>
+          <a:lstStyle/>
+          <a:p>
+            <a:endParaRPr lang="en-US" dirty="0"/>
+          </a:p>
+        </p:txBody>
+      </p:sp>
+      <p:sp>
+        <p:nvSpPr>
+          <p:cNvPr id="4" name="Slide Number Placeholder 3"/>
+          <p:cNvSpPr>
+            <a:spLocks noGrp="1"/>
+          </p:cNvSpPr>
+          <p:nvPr>
+            <p:ph type="sldNum" sz="quarter" idx="5"/>
+          </p:nvPr>
+        </p:nvSpPr>
+        <p:spPr/>
+        <p:txBody>
+          <a:bodyPr/>
+          <a:lstStyle/>
+          <a:p>
+            <a:fld id="{AF285793-58F2-5D45-93FF-B0076DA99FD1}" type="slidenum">
+              <a:rPr lang="en-US" smtClean="0"/>
+              <a:t>10</a:t>
+            </a:fld>
+            <a:endParaRPr lang="en-US"/>
+          </a:p>
+        </p:txBody>
+      </p:sp>
+    </p:spTree>
+    <p:extLst>
+      <p:ext uri="{BB962C8B-B14F-4D97-AF65-F5344CB8AC3E}">
+        <p14:creationId xmlns:p14="http://schemas.microsoft.com/office/powerpoint/2010/main" val="2481415451"/>
+      </p:ext>
+    </p:extLst>
+  </p:cSld>
+  <p:clrMapOvr>
+    <a:masterClrMapping/>
+  </p:clrMapOvr>
+</p:notes>
+</file>
+
+<file path=ppt/notesSlides/notesSlide11.xml><?xml version="1.0" encoding="utf-8"?>
+<p:notes xmlns:a="http://schemas.openxmlformats.org/drawingml/2006/main" xmlns:r="http://schemas.openxmlformats.org/officeDocument/2006/relationships" xmlns:p="http://schemas.openxmlformats.org/presentationml/2006/main">
+  <p:cSld>
+    <p:spTree>
+      <p:nvGrpSpPr>
+        <p:cNvPr id="1" name=""/>
+        <p:cNvGrpSpPr/>
+        <p:nvPr/>
+      </p:nvGrpSpPr>
+      <p:grpSpPr>
+        <a:xfrm>
+          <a:off x="0" y="0"/>
+          <a:ext cx="0" cy="0"/>
+          <a:chOff x="0" y="0"/>
+          <a:chExt cx="0" cy="0"/>
+        </a:xfrm>
+      </p:grpSpPr>
+      <p:sp>
+        <p:nvSpPr>
+          <p:cNvPr id="2" name="Slide Image Placeholder 1"/>
+          <p:cNvSpPr>
+            <a:spLocks noGrp="1" noRot="1" noChangeAspect="1"/>
+          </p:cNvSpPr>
+          <p:nvPr>
+            <p:ph type="sldImg"/>
+          </p:nvPr>
+        </p:nvSpPr>
+        <p:spPr/>
+      </p:sp>
+      <p:sp>
+        <p:nvSpPr>
+          <p:cNvPr id="3" name="Notes Placeholder 2"/>
+          <p:cNvSpPr>
+            <a:spLocks noGrp="1"/>
+          </p:cNvSpPr>
+          <p:nvPr>
+            <p:ph type="body" idx="1"/>
+          </p:nvPr>
+        </p:nvSpPr>
+        <p:spPr/>
+        <p:txBody>
+          <a:bodyPr/>
+          <a:lstStyle/>
+          <a:p>
+            <a:endParaRPr lang="en-US" dirty="0"/>
+          </a:p>
+        </p:txBody>
+      </p:sp>
+      <p:sp>
+        <p:nvSpPr>
+          <p:cNvPr id="4" name="Slide Number Placeholder 3"/>
+          <p:cNvSpPr>
+            <a:spLocks noGrp="1"/>
+          </p:cNvSpPr>
+          <p:nvPr>
+            <p:ph type="sldNum" sz="quarter" idx="5"/>
+          </p:nvPr>
+        </p:nvSpPr>
+        <p:spPr/>
+        <p:txBody>
+          <a:bodyPr/>
+          <a:lstStyle/>
+          <a:p>
+            <a:fld id="{AF285793-58F2-5D45-93FF-B0076DA99FD1}" type="slidenum">
+              <a:rPr lang="en-US" smtClean="0"/>
+              <a:t>11</a:t>
+            </a:fld>
+            <a:endParaRPr lang="en-US"/>
+          </a:p>
+        </p:txBody>
+      </p:sp>
+    </p:spTree>
+    <p:extLst>
+      <p:ext uri="{BB962C8B-B14F-4D97-AF65-F5344CB8AC3E}">
+        <p14:creationId xmlns:p14="http://schemas.microsoft.com/office/powerpoint/2010/main" val="4120792935"/>
+      </p:ext>
+    </p:extLst>
+  </p:cSld>
+  <p:clrMapOvr>
+    <a:masterClrMapping/>
+  </p:clrMapOvr>
+</p:notes>
+</file>
+
+<file path=ppt/notesSlides/notesSlide12.xml><?xml version="1.0" encoding="utf-8"?>
+<p:notes xmlns:a="http://schemas.openxmlformats.org/drawingml/2006/main" xmlns:r="http://schemas.openxmlformats.org/officeDocument/2006/relationships" xmlns:p="http://schemas.openxmlformats.org/presentationml/2006/main">
+  <p:cSld>
+    <p:spTree>
+      <p:nvGrpSpPr>
+        <p:cNvPr id="1" name=""/>
+        <p:cNvGrpSpPr/>
+        <p:nvPr/>
+      </p:nvGrpSpPr>
+      <p:grpSpPr>
+        <a:xfrm>
+          <a:off x="0" y="0"/>
+          <a:ext cx="0" cy="0"/>
+          <a:chOff x="0" y="0"/>
+          <a:chExt cx="0" cy="0"/>
+        </a:xfrm>
+      </p:grpSpPr>
+      <p:sp>
+        <p:nvSpPr>
+          <p:cNvPr id="2" name="Slide Image Placeholder 1"/>
+          <p:cNvSpPr>
+            <a:spLocks noGrp="1" noRot="1" noChangeAspect="1"/>
+          </p:cNvSpPr>
+          <p:nvPr>
+            <p:ph type="sldImg"/>
+          </p:nvPr>
+        </p:nvSpPr>
+        <p:spPr/>
+      </p:sp>
+      <p:sp>
+        <p:nvSpPr>
+          <p:cNvPr id="3" name="Notes Placeholder 2"/>
+          <p:cNvSpPr>
+            <a:spLocks noGrp="1"/>
+          </p:cNvSpPr>
+          <p:nvPr>
+            <p:ph type="body" idx="1"/>
+          </p:nvPr>
+        </p:nvSpPr>
+        <p:spPr/>
+        <p:txBody>
+          <a:bodyPr/>
+          <a:lstStyle/>
+          <a:p>
+            <a:endParaRPr lang="en-US" dirty="0"/>
+          </a:p>
+        </p:txBody>
+      </p:sp>
+      <p:sp>
+        <p:nvSpPr>
+          <p:cNvPr id="4" name="Slide Number Placeholder 3"/>
+          <p:cNvSpPr>
+            <a:spLocks noGrp="1"/>
+          </p:cNvSpPr>
+          <p:nvPr>
+            <p:ph type="sldNum" sz="quarter" idx="5"/>
+          </p:nvPr>
+        </p:nvSpPr>
+        <p:spPr/>
+        <p:txBody>
+          <a:bodyPr/>
+          <a:lstStyle/>
+          <a:p>
+            <a:fld id="{AF285793-58F2-5D45-93FF-B0076DA99FD1}" type="slidenum">
+              <a:rPr lang="en-US" smtClean="0"/>
+              <a:t>12</a:t>
+            </a:fld>
+            <a:endParaRPr lang="en-US"/>
+          </a:p>
+        </p:txBody>
+      </p:sp>
+    </p:spTree>
+    <p:extLst>
+      <p:ext uri="{BB962C8B-B14F-4D97-AF65-F5344CB8AC3E}">
+        <p14:creationId xmlns:p14="http://schemas.microsoft.com/office/powerpoint/2010/main" val="1823780158"/>
+      </p:ext>
+    </p:extLst>
+  </p:cSld>
+  <p:clrMapOvr>
+    <a:masterClrMapping/>
+  </p:clrMapOvr>
+</p:notes>
+</file>
+
+<file path=ppt/notesSlides/notesSlide13.xml><?xml version="1.0" encoding="utf-8"?>
+<p:notes xmlns:a="http://schemas.openxmlformats.org/drawingml/2006/main" xmlns:r="http://schemas.openxmlformats.org/officeDocument/2006/relationships" xmlns:p="http://schemas.openxmlformats.org/presentationml/2006/main">
+  <p:cSld>
+    <p:spTree>
+      <p:nvGrpSpPr>
+        <p:cNvPr id="1" name=""/>
+        <p:cNvGrpSpPr/>
+        <p:nvPr/>
+      </p:nvGrpSpPr>
+      <p:grpSpPr>
+        <a:xfrm>
+          <a:off x="0" y="0"/>
+          <a:ext cx="0" cy="0"/>
+          <a:chOff x="0" y="0"/>
+          <a:chExt cx="0" cy="0"/>
+        </a:xfrm>
+      </p:grpSpPr>
+      <p:sp>
+        <p:nvSpPr>
+          <p:cNvPr id="2" name="Slide Image Placeholder 1"/>
+          <p:cNvSpPr>
+            <a:spLocks noGrp="1" noRot="1" noChangeAspect="1"/>
+          </p:cNvSpPr>
+          <p:nvPr>
+            <p:ph type="sldImg"/>
+          </p:nvPr>
+        </p:nvSpPr>
+        <p:spPr/>
+      </p:sp>
+      <p:sp>
+        <p:nvSpPr>
+          <p:cNvPr id="3" name="Notes Placeholder 2"/>
+          <p:cNvSpPr>
+            <a:spLocks noGrp="1"/>
+          </p:cNvSpPr>
+          <p:nvPr>
+            <p:ph type="body" idx="1"/>
+          </p:nvPr>
+        </p:nvSpPr>
+        <p:spPr/>
+        <p:txBody>
+          <a:bodyPr/>
+          <a:lstStyle/>
+          <a:p>
+            <a:endParaRPr lang="en-US" dirty="0"/>
+          </a:p>
+        </p:txBody>
+      </p:sp>
+      <p:sp>
+        <p:nvSpPr>
+          <p:cNvPr id="4" name="Slide Number Placeholder 3"/>
+          <p:cNvSpPr>
+            <a:spLocks noGrp="1"/>
+          </p:cNvSpPr>
+          <p:nvPr>
+            <p:ph type="sldNum" sz="quarter" idx="5"/>
+          </p:nvPr>
+        </p:nvSpPr>
+        <p:spPr/>
+        <p:txBody>
+          <a:bodyPr/>
+          <a:lstStyle/>
+          <a:p>
+            <a:fld id="{AF285793-58F2-5D45-93FF-B0076DA99FD1}" type="slidenum">
+              <a:rPr lang="en-US" smtClean="0"/>
+              <a:t>13</a:t>
+            </a:fld>
+            <a:endParaRPr lang="en-US"/>
+          </a:p>
+        </p:txBody>
+      </p:sp>
+    </p:spTree>
+    <p:extLst>
+      <p:ext uri="{BB962C8B-B14F-4D97-AF65-F5344CB8AC3E}">
+        <p14:creationId xmlns:p14="http://schemas.microsoft.com/office/powerpoint/2010/main" val="4199588950"/>
+      </p:ext>
+    </p:extLst>
+  </p:cSld>
+  <p:clrMapOvr>
+    <a:masterClrMapping/>
+  </p:clrMapOvr>
+</p:notes>
+</file>
+
 <file path=ppt/notesSlides/notesSlide2.xml><?xml version="1.0" encoding="utf-8"?>
 <p:notes xmlns:a="http://schemas.openxmlformats.org/drawingml/2006/main" xmlns:r="http://schemas.openxmlformats.org/officeDocument/2006/relationships" xmlns:p="http://schemas.openxmlformats.org/presentationml/2006/main">
   <p:cSld>
@@ -996,6 +1352,603 @@
     <p:extLst>
       <p:ext uri="{BB962C8B-B14F-4D97-AF65-F5344CB8AC3E}">
         <p14:creationId xmlns:p14="http://schemas.microsoft.com/office/powerpoint/2010/main" val="4292479313"/>
+      </p:ext>
+    </p:extLst>
+  </p:cSld>
+  <p:clrMapOvr>
+    <a:masterClrMapping/>
+  </p:clrMapOvr>
+</p:notes>
+</file>
+
+<file path=ppt/notesSlides/notesSlide4.xml><?xml version="1.0" encoding="utf-8"?>
+<p:notes xmlns:a="http://schemas.openxmlformats.org/drawingml/2006/main" xmlns:r="http://schemas.openxmlformats.org/officeDocument/2006/relationships" xmlns:p="http://schemas.openxmlformats.org/presentationml/2006/main">
+  <p:cSld>
+    <p:spTree>
+      <p:nvGrpSpPr>
+        <p:cNvPr id="1" name=""/>
+        <p:cNvGrpSpPr/>
+        <p:nvPr/>
+      </p:nvGrpSpPr>
+      <p:grpSpPr>
+        <a:xfrm>
+          <a:off x="0" y="0"/>
+          <a:ext cx="0" cy="0"/>
+          <a:chOff x="0" y="0"/>
+          <a:chExt cx="0" cy="0"/>
+        </a:xfrm>
+      </p:grpSpPr>
+      <p:sp>
+        <p:nvSpPr>
+          <p:cNvPr id="2" name="Slide Image Placeholder 1"/>
+          <p:cNvSpPr>
+            <a:spLocks noGrp="1" noRot="1" noChangeAspect="1"/>
+          </p:cNvSpPr>
+          <p:nvPr>
+            <p:ph type="sldImg"/>
+          </p:nvPr>
+        </p:nvSpPr>
+        <p:spPr/>
+      </p:sp>
+      <p:sp>
+        <p:nvSpPr>
+          <p:cNvPr id="3" name="Notes Placeholder 2"/>
+          <p:cNvSpPr>
+            <a:spLocks noGrp="1"/>
+          </p:cNvSpPr>
+          <p:nvPr>
+            <p:ph type="body" idx="1"/>
+          </p:nvPr>
+        </p:nvSpPr>
+        <p:spPr/>
+        <p:txBody>
+          <a:bodyPr/>
+          <a:lstStyle/>
+          <a:p>
+            <a:pPr marL="0" marR="0" lvl="0" indent="0" algn="l" defTabSz="457200" rtl="0" eaLnBrk="1" fontAlgn="auto" latinLnBrk="0" hangingPunct="1">
+              <a:lnSpc>
+                <a:spcPct val="100000"/>
+              </a:lnSpc>
+              <a:spcBef>
+                <a:spcPts val="0"/>
+              </a:spcBef>
+              <a:spcAft>
+                <a:spcPts val="0"/>
+              </a:spcAft>
+              <a:buClrTx/>
+              <a:buSzTx/>
+              <a:buFontTx/>
+              <a:buNone/>
+              <a:tabLst/>
+              <a:defRPr/>
+            </a:pPr>
+            <a:r>
+              <a:rPr lang="en-US" dirty="0"/>
+              <a:t>The </a:t>
+            </a:r>
+            <a:r>
+              <a:rPr lang="en-US" dirty="0" err="1"/>
+              <a:t>reV</a:t>
+            </a:r>
+            <a:r>
+              <a:rPr lang="en-US" dirty="0"/>
+              <a:t> model is a platform for assessing renewable energy potential and its geospatial intersection with grid infrastructure and land use characteristics. </a:t>
+            </a:r>
+          </a:p>
+          <a:p>
+            <a:endParaRPr lang="en-US" dirty="0"/>
+          </a:p>
+        </p:txBody>
+      </p:sp>
+      <p:sp>
+        <p:nvSpPr>
+          <p:cNvPr id="4" name="Slide Number Placeholder 3"/>
+          <p:cNvSpPr>
+            <a:spLocks noGrp="1"/>
+          </p:cNvSpPr>
+          <p:nvPr>
+            <p:ph type="sldNum" sz="quarter" idx="5"/>
+          </p:nvPr>
+        </p:nvSpPr>
+        <p:spPr/>
+        <p:txBody>
+          <a:bodyPr/>
+          <a:lstStyle/>
+          <a:p>
+            <a:fld id="{AF285793-58F2-5D45-93FF-B0076DA99FD1}" type="slidenum">
+              <a:rPr lang="en-US" smtClean="0"/>
+              <a:t>4</a:t>
+            </a:fld>
+            <a:endParaRPr lang="en-US"/>
+          </a:p>
+        </p:txBody>
+      </p:sp>
+    </p:spTree>
+    <p:extLst>
+      <p:ext uri="{BB962C8B-B14F-4D97-AF65-F5344CB8AC3E}">
+        <p14:creationId xmlns:p14="http://schemas.microsoft.com/office/powerpoint/2010/main" val="1177139518"/>
+      </p:ext>
+    </p:extLst>
+  </p:cSld>
+  <p:clrMapOvr>
+    <a:masterClrMapping/>
+  </p:clrMapOvr>
+</p:notes>
+</file>
+
+<file path=ppt/notesSlides/notesSlide5.xml><?xml version="1.0" encoding="utf-8"?>
+<p:notes xmlns:a="http://schemas.openxmlformats.org/drawingml/2006/main" xmlns:r="http://schemas.openxmlformats.org/officeDocument/2006/relationships" xmlns:p="http://schemas.openxmlformats.org/presentationml/2006/main">
+  <p:cSld>
+    <p:spTree>
+      <p:nvGrpSpPr>
+        <p:cNvPr id="1" name=""/>
+        <p:cNvGrpSpPr/>
+        <p:nvPr/>
+      </p:nvGrpSpPr>
+      <p:grpSpPr>
+        <a:xfrm>
+          <a:off x="0" y="0"/>
+          <a:ext cx="0" cy="0"/>
+          <a:chOff x="0" y="0"/>
+          <a:chExt cx="0" cy="0"/>
+        </a:xfrm>
+      </p:grpSpPr>
+      <p:sp>
+        <p:nvSpPr>
+          <p:cNvPr id="2" name="Slide Image Placeholder 1"/>
+          <p:cNvSpPr>
+            <a:spLocks noGrp="1" noRot="1" noChangeAspect="1"/>
+          </p:cNvSpPr>
+          <p:nvPr>
+            <p:ph type="sldImg"/>
+          </p:nvPr>
+        </p:nvSpPr>
+        <p:spPr/>
+      </p:sp>
+      <p:sp>
+        <p:nvSpPr>
+          <p:cNvPr id="3" name="Notes Placeholder 2"/>
+          <p:cNvSpPr>
+            <a:spLocks noGrp="1"/>
+          </p:cNvSpPr>
+          <p:nvPr>
+            <p:ph type="body" idx="1"/>
+          </p:nvPr>
+        </p:nvSpPr>
+        <p:spPr/>
+        <p:txBody>
+          <a:bodyPr/>
+          <a:lstStyle/>
+          <a:p>
+            <a:pPr marL="0" marR="0" lvl="0" indent="0" algn="l" defTabSz="457200" rtl="0" eaLnBrk="1" fontAlgn="auto" latinLnBrk="0" hangingPunct="1">
+              <a:lnSpc>
+                <a:spcPct val="100000"/>
+              </a:lnSpc>
+              <a:spcBef>
+                <a:spcPts val="0"/>
+              </a:spcBef>
+              <a:spcAft>
+                <a:spcPts val="0"/>
+              </a:spcAft>
+              <a:buClrTx/>
+              <a:buSzTx/>
+              <a:buFontTx/>
+              <a:buNone/>
+              <a:tabLst/>
+              <a:defRPr/>
+            </a:pPr>
+            <a:r>
+              <a:rPr lang="en-US" dirty="0"/>
+              <a:t>The </a:t>
+            </a:r>
+            <a:r>
+              <a:rPr lang="en-US" dirty="0" err="1"/>
+              <a:t>reV</a:t>
+            </a:r>
+            <a:r>
+              <a:rPr lang="en-US" dirty="0"/>
+              <a:t> model is a platform for assessing renewable energy potential and its geospatial intersection with grid infrastructure and land use characteristics. </a:t>
+            </a:r>
+          </a:p>
+          <a:p>
+            <a:endParaRPr lang="en-US" dirty="0"/>
+          </a:p>
+        </p:txBody>
+      </p:sp>
+      <p:sp>
+        <p:nvSpPr>
+          <p:cNvPr id="4" name="Slide Number Placeholder 3"/>
+          <p:cNvSpPr>
+            <a:spLocks noGrp="1"/>
+          </p:cNvSpPr>
+          <p:nvPr>
+            <p:ph type="sldNum" sz="quarter" idx="5"/>
+          </p:nvPr>
+        </p:nvSpPr>
+        <p:spPr/>
+        <p:txBody>
+          <a:bodyPr/>
+          <a:lstStyle/>
+          <a:p>
+            <a:fld id="{AF285793-58F2-5D45-93FF-B0076DA99FD1}" type="slidenum">
+              <a:rPr lang="en-US" smtClean="0"/>
+              <a:t>5</a:t>
+            </a:fld>
+            <a:endParaRPr lang="en-US"/>
+          </a:p>
+        </p:txBody>
+      </p:sp>
+    </p:spTree>
+    <p:extLst>
+      <p:ext uri="{BB962C8B-B14F-4D97-AF65-F5344CB8AC3E}">
+        <p14:creationId xmlns:p14="http://schemas.microsoft.com/office/powerpoint/2010/main" val="2264843765"/>
+      </p:ext>
+    </p:extLst>
+  </p:cSld>
+  <p:clrMapOvr>
+    <a:masterClrMapping/>
+  </p:clrMapOvr>
+</p:notes>
+</file>
+
+<file path=ppt/notesSlides/notesSlide6.xml><?xml version="1.0" encoding="utf-8"?>
+<p:notes xmlns:a="http://schemas.openxmlformats.org/drawingml/2006/main" xmlns:r="http://schemas.openxmlformats.org/officeDocument/2006/relationships" xmlns:p="http://schemas.openxmlformats.org/presentationml/2006/main">
+  <p:cSld>
+    <p:spTree>
+      <p:nvGrpSpPr>
+        <p:cNvPr id="1" name=""/>
+        <p:cNvGrpSpPr/>
+        <p:nvPr/>
+      </p:nvGrpSpPr>
+      <p:grpSpPr>
+        <a:xfrm>
+          <a:off x="0" y="0"/>
+          <a:ext cx="0" cy="0"/>
+          <a:chOff x="0" y="0"/>
+          <a:chExt cx="0" cy="0"/>
+        </a:xfrm>
+      </p:grpSpPr>
+      <p:sp>
+        <p:nvSpPr>
+          <p:cNvPr id="2" name="Slide Image Placeholder 1"/>
+          <p:cNvSpPr>
+            <a:spLocks noGrp="1" noRot="1" noChangeAspect="1"/>
+          </p:cNvSpPr>
+          <p:nvPr>
+            <p:ph type="sldImg"/>
+          </p:nvPr>
+        </p:nvSpPr>
+        <p:spPr/>
+      </p:sp>
+      <p:sp>
+        <p:nvSpPr>
+          <p:cNvPr id="3" name="Notes Placeholder 2"/>
+          <p:cNvSpPr>
+            <a:spLocks noGrp="1"/>
+          </p:cNvSpPr>
+          <p:nvPr>
+            <p:ph type="body" idx="1"/>
+          </p:nvPr>
+        </p:nvSpPr>
+        <p:spPr/>
+        <p:txBody>
+          <a:bodyPr/>
+          <a:lstStyle/>
+          <a:p>
+            <a:pPr marL="0" marR="0" lvl="0" indent="0" algn="l" defTabSz="457200" rtl="0" eaLnBrk="1" fontAlgn="auto" latinLnBrk="0" hangingPunct="1">
+              <a:lnSpc>
+                <a:spcPct val="100000"/>
+              </a:lnSpc>
+              <a:spcBef>
+                <a:spcPts val="0"/>
+              </a:spcBef>
+              <a:spcAft>
+                <a:spcPts val="0"/>
+              </a:spcAft>
+              <a:buClrTx/>
+              <a:buSzTx/>
+              <a:buFontTx/>
+              <a:buNone/>
+              <a:tabLst/>
+              <a:defRPr/>
+            </a:pPr>
+            <a:r>
+              <a:rPr lang="en-US" dirty="0"/>
+              <a:t>The </a:t>
+            </a:r>
+            <a:r>
+              <a:rPr lang="en-US" dirty="0" err="1"/>
+              <a:t>reV</a:t>
+            </a:r>
+            <a:r>
+              <a:rPr lang="en-US" dirty="0"/>
+              <a:t> model is a platform for assessing renewable energy potential and its geospatial intersection with grid infrastructure and land use characteristics. </a:t>
+            </a:r>
+          </a:p>
+          <a:p>
+            <a:endParaRPr lang="en-US" dirty="0"/>
+          </a:p>
+        </p:txBody>
+      </p:sp>
+      <p:sp>
+        <p:nvSpPr>
+          <p:cNvPr id="4" name="Slide Number Placeholder 3"/>
+          <p:cNvSpPr>
+            <a:spLocks noGrp="1"/>
+          </p:cNvSpPr>
+          <p:nvPr>
+            <p:ph type="sldNum" sz="quarter" idx="5"/>
+          </p:nvPr>
+        </p:nvSpPr>
+        <p:spPr/>
+        <p:txBody>
+          <a:bodyPr/>
+          <a:lstStyle/>
+          <a:p>
+            <a:fld id="{AF285793-58F2-5D45-93FF-B0076DA99FD1}" type="slidenum">
+              <a:rPr lang="en-US" smtClean="0"/>
+              <a:t>6</a:t>
+            </a:fld>
+            <a:endParaRPr lang="en-US"/>
+          </a:p>
+        </p:txBody>
+      </p:sp>
+    </p:spTree>
+    <p:extLst>
+      <p:ext uri="{BB962C8B-B14F-4D97-AF65-F5344CB8AC3E}">
+        <p14:creationId xmlns:p14="http://schemas.microsoft.com/office/powerpoint/2010/main" val="1897925807"/>
+      </p:ext>
+    </p:extLst>
+  </p:cSld>
+  <p:clrMapOvr>
+    <a:masterClrMapping/>
+  </p:clrMapOvr>
+</p:notes>
+</file>
+
+<file path=ppt/notesSlides/notesSlide7.xml><?xml version="1.0" encoding="utf-8"?>
+<p:notes xmlns:a="http://schemas.openxmlformats.org/drawingml/2006/main" xmlns:r="http://schemas.openxmlformats.org/officeDocument/2006/relationships" xmlns:p="http://schemas.openxmlformats.org/presentationml/2006/main">
+  <p:cSld>
+    <p:spTree>
+      <p:nvGrpSpPr>
+        <p:cNvPr id="1" name=""/>
+        <p:cNvGrpSpPr/>
+        <p:nvPr/>
+      </p:nvGrpSpPr>
+      <p:grpSpPr>
+        <a:xfrm>
+          <a:off x="0" y="0"/>
+          <a:ext cx="0" cy="0"/>
+          <a:chOff x="0" y="0"/>
+          <a:chExt cx="0" cy="0"/>
+        </a:xfrm>
+      </p:grpSpPr>
+      <p:sp>
+        <p:nvSpPr>
+          <p:cNvPr id="2" name="Slide Image Placeholder 1"/>
+          <p:cNvSpPr>
+            <a:spLocks noGrp="1" noRot="1" noChangeAspect="1"/>
+          </p:cNvSpPr>
+          <p:nvPr>
+            <p:ph type="sldImg"/>
+          </p:nvPr>
+        </p:nvSpPr>
+        <p:spPr/>
+      </p:sp>
+      <p:sp>
+        <p:nvSpPr>
+          <p:cNvPr id="3" name="Notes Placeholder 2"/>
+          <p:cNvSpPr>
+            <a:spLocks noGrp="1"/>
+          </p:cNvSpPr>
+          <p:nvPr>
+            <p:ph type="body" idx="1"/>
+          </p:nvPr>
+        </p:nvSpPr>
+        <p:spPr/>
+        <p:txBody>
+          <a:bodyPr/>
+          <a:lstStyle/>
+          <a:p>
+            <a:endParaRPr lang="en-US" dirty="0"/>
+          </a:p>
+        </p:txBody>
+      </p:sp>
+      <p:sp>
+        <p:nvSpPr>
+          <p:cNvPr id="4" name="Slide Number Placeholder 3"/>
+          <p:cNvSpPr>
+            <a:spLocks noGrp="1"/>
+          </p:cNvSpPr>
+          <p:nvPr>
+            <p:ph type="sldNum" sz="quarter" idx="5"/>
+          </p:nvPr>
+        </p:nvSpPr>
+        <p:spPr/>
+        <p:txBody>
+          <a:bodyPr/>
+          <a:lstStyle/>
+          <a:p>
+            <a:fld id="{AF285793-58F2-5D45-93FF-B0076DA99FD1}" type="slidenum">
+              <a:rPr lang="en-US" smtClean="0"/>
+              <a:t>7</a:t>
+            </a:fld>
+            <a:endParaRPr lang="en-US"/>
+          </a:p>
+        </p:txBody>
+      </p:sp>
+    </p:spTree>
+    <p:extLst>
+      <p:ext uri="{BB962C8B-B14F-4D97-AF65-F5344CB8AC3E}">
+        <p14:creationId xmlns:p14="http://schemas.microsoft.com/office/powerpoint/2010/main" val="3042319183"/>
+      </p:ext>
+    </p:extLst>
+  </p:cSld>
+  <p:clrMapOvr>
+    <a:masterClrMapping/>
+  </p:clrMapOvr>
+</p:notes>
+</file>
+
+<file path=ppt/notesSlides/notesSlide8.xml><?xml version="1.0" encoding="utf-8"?>
+<p:notes xmlns:a="http://schemas.openxmlformats.org/drawingml/2006/main" xmlns:r="http://schemas.openxmlformats.org/officeDocument/2006/relationships" xmlns:p="http://schemas.openxmlformats.org/presentationml/2006/main">
+  <p:cSld>
+    <p:spTree>
+      <p:nvGrpSpPr>
+        <p:cNvPr id="1" name=""/>
+        <p:cNvGrpSpPr/>
+        <p:nvPr/>
+      </p:nvGrpSpPr>
+      <p:grpSpPr>
+        <a:xfrm>
+          <a:off x="0" y="0"/>
+          <a:ext cx="0" cy="0"/>
+          <a:chOff x="0" y="0"/>
+          <a:chExt cx="0" cy="0"/>
+        </a:xfrm>
+      </p:grpSpPr>
+      <p:sp>
+        <p:nvSpPr>
+          <p:cNvPr id="2" name="Slide Image Placeholder 1"/>
+          <p:cNvSpPr>
+            <a:spLocks noGrp="1" noRot="1" noChangeAspect="1"/>
+          </p:cNvSpPr>
+          <p:nvPr>
+            <p:ph type="sldImg"/>
+          </p:nvPr>
+        </p:nvSpPr>
+        <p:spPr/>
+      </p:sp>
+      <p:sp>
+        <p:nvSpPr>
+          <p:cNvPr id="3" name="Notes Placeholder 2"/>
+          <p:cNvSpPr>
+            <a:spLocks noGrp="1"/>
+          </p:cNvSpPr>
+          <p:nvPr>
+            <p:ph type="body" idx="1"/>
+          </p:nvPr>
+        </p:nvSpPr>
+        <p:spPr/>
+        <p:txBody>
+          <a:bodyPr/>
+          <a:lstStyle/>
+          <a:p>
+            <a:endParaRPr lang="en-US" dirty="0"/>
+          </a:p>
+        </p:txBody>
+      </p:sp>
+      <p:sp>
+        <p:nvSpPr>
+          <p:cNvPr id="4" name="Slide Number Placeholder 3"/>
+          <p:cNvSpPr>
+            <a:spLocks noGrp="1"/>
+          </p:cNvSpPr>
+          <p:nvPr>
+            <p:ph type="sldNum" sz="quarter" idx="5"/>
+          </p:nvPr>
+        </p:nvSpPr>
+        <p:spPr/>
+        <p:txBody>
+          <a:bodyPr/>
+          <a:lstStyle/>
+          <a:p>
+            <a:fld id="{AF285793-58F2-5D45-93FF-B0076DA99FD1}" type="slidenum">
+              <a:rPr lang="en-US" smtClean="0"/>
+              <a:t>8</a:t>
+            </a:fld>
+            <a:endParaRPr lang="en-US"/>
+          </a:p>
+        </p:txBody>
+      </p:sp>
+    </p:spTree>
+    <p:extLst>
+      <p:ext uri="{BB962C8B-B14F-4D97-AF65-F5344CB8AC3E}">
+        <p14:creationId xmlns:p14="http://schemas.microsoft.com/office/powerpoint/2010/main" val="25359205"/>
+      </p:ext>
+    </p:extLst>
+  </p:cSld>
+  <p:clrMapOvr>
+    <a:masterClrMapping/>
+  </p:clrMapOvr>
+</p:notes>
+</file>
+
+<file path=ppt/notesSlides/notesSlide9.xml><?xml version="1.0" encoding="utf-8"?>
+<p:notes xmlns:a="http://schemas.openxmlformats.org/drawingml/2006/main" xmlns:r="http://schemas.openxmlformats.org/officeDocument/2006/relationships" xmlns:p="http://schemas.openxmlformats.org/presentationml/2006/main">
+  <p:cSld>
+    <p:spTree>
+      <p:nvGrpSpPr>
+        <p:cNvPr id="1" name=""/>
+        <p:cNvGrpSpPr/>
+        <p:nvPr/>
+      </p:nvGrpSpPr>
+      <p:grpSpPr>
+        <a:xfrm>
+          <a:off x="0" y="0"/>
+          <a:ext cx="0" cy="0"/>
+          <a:chOff x="0" y="0"/>
+          <a:chExt cx="0" cy="0"/>
+        </a:xfrm>
+      </p:grpSpPr>
+      <p:sp>
+        <p:nvSpPr>
+          <p:cNvPr id="2" name="Slide Image Placeholder 1"/>
+          <p:cNvSpPr>
+            <a:spLocks noGrp="1" noRot="1" noChangeAspect="1"/>
+          </p:cNvSpPr>
+          <p:nvPr>
+            <p:ph type="sldImg"/>
+          </p:nvPr>
+        </p:nvSpPr>
+        <p:spPr/>
+      </p:sp>
+      <p:sp>
+        <p:nvSpPr>
+          <p:cNvPr id="3" name="Notes Placeholder 2"/>
+          <p:cNvSpPr>
+            <a:spLocks noGrp="1"/>
+          </p:cNvSpPr>
+          <p:nvPr>
+            <p:ph type="body" idx="1"/>
+          </p:nvPr>
+        </p:nvSpPr>
+        <p:spPr/>
+        <p:txBody>
+          <a:bodyPr/>
+          <a:lstStyle/>
+          <a:p>
+            <a:endParaRPr lang="en-US" dirty="0"/>
+          </a:p>
+        </p:txBody>
+      </p:sp>
+      <p:sp>
+        <p:nvSpPr>
+          <p:cNvPr id="4" name="Slide Number Placeholder 3"/>
+          <p:cNvSpPr>
+            <a:spLocks noGrp="1"/>
+          </p:cNvSpPr>
+          <p:nvPr>
+            <p:ph type="sldNum" sz="quarter" idx="5"/>
+          </p:nvPr>
+        </p:nvSpPr>
+        <p:spPr/>
+        <p:txBody>
+          <a:bodyPr/>
+          <a:lstStyle/>
+          <a:p>
+            <a:fld id="{AF285793-58F2-5D45-93FF-B0076DA99FD1}" type="slidenum">
+              <a:rPr lang="en-US" smtClean="0"/>
+              <a:t>9</a:t>
+            </a:fld>
+            <a:endParaRPr lang="en-US"/>
+          </a:p>
+        </p:txBody>
+      </p:sp>
+    </p:spTree>
+    <p:extLst>
+      <p:ext uri="{BB962C8B-B14F-4D97-AF65-F5344CB8AC3E}">
+        <p14:creationId xmlns:p14="http://schemas.microsoft.com/office/powerpoint/2010/main" val="1003960802"/>
       </p:ext>
     </p:extLst>
   </p:cSld>
@@ -22485,7 +23438,7 @@
 </p:sld>
 </file>
 
-<file path=ppt/slides/slide2.xml><?xml version="1.0" encoding="utf-8"?>
+<file path=ppt/slides/slide10.xml><?xml version="1.0" encoding="utf-8"?>
 <p:sld xmlns:a="http://schemas.openxmlformats.org/drawingml/2006/main" xmlns:r="http://schemas.openxmlformats.org/officeDocument/2006/relationships" xmlns:p="http://schemas.openxmlformats.org/presentationml/2006/main">
   <p:cSld>
     <p:spTree>
@@ -22523,7 +23476,7 @@
           <a:p>
             <a:r>
               <a:rPr lang="en-US" sz="2800" dirty="0"/>
-              <a:t>The Renewable Energy Potential Model</a:t>
+              <a:t>The Renewable Energy Potential (V) Model</a:t>
             </a:r>
           </a:p>
         </p:txBody>
@@ -22558,7 +23511,930 @@
           <a:noFill/>
           <a:extLst>
             <a:ext uri="{909E8E84-426E-40dd-AFC4-6F175D3DCCD1}">
+              <a14:hiddenFill xmlns="" xmlns:a14="http://schemas.microsoft.com/office/drawing/2010/main">
+                <a:solidFill>
+                  <a:srgbClr val="FFFFFF"/>
+                </a:solidFill>
+              </a14:hiddenFill>
+            </a:ext>
+          </a:extLst>
+        </p:spPr>
+      </p:pic>
+      <p:sp>
+        <p:nvSpPr>
+          <p:cNvPr id="7" name="TextBox 6">
+            <a:extLst>
+              <a:ext uri="{FF2B5EF4-FFF2-40B4-BE49-F238E27FC236}">
+                <a16:creationId xmlns:a16="http://schemas.microsoft.com/office/drawing/2014/main" id="{9793A477-B618-C24B-BF4B-D3DA2014EB02}"/>
+              </a:ext>
+            </a:extLst>
+          </p:cNvPr>
+          <p:cNvSpPr txBox="1"/>
+          <p:nvPr/>
+        </p:nvSpPr>
+        <p:spPr>
+          <a:xfrm>
+            <a:off x="457200" y="900953"/>
+            <a:ext cx="5330428" cy="923330"/>
+          </a:xfrm>
+          <a:prstGeom prst="rect">
+            <a:avLst/>
+          </a:prstGeom>
+          <a:noFill/>
+        </p:spPr>
+        <p:txBody>
+          <a:bodyPr wrap="square" rtlCol="0">
+            <a:spAutoFit/>
+          </a:bodyPr>
+          <a:lstStyle/>
+          <a:p>
+            <a:r>
+              <a:rPr lang="en-US" dirty="0"/>
+              <a:t>Note some limitations for reV (i.e. the outputs we get</a:t>
+            </a:r>
+          </a:p>
+          <a:p>
+            <a:r>
+              <a:rPr lang="en-US" dirty="0"/>
+              <a:t>are only as good as the inputs). It require a good deal of data collection and preprocessing.</a:t>
+            </a:r>
+          </a:p>
+        </p:txBody>
+      </p:sp>
+    </p:spTree>
+    <p:extLst>
+      <p:ext uri="{BB962C8B-B14F-4D97-AF65-F5344CB8AC3E}">
+        <p14:creationId xmlns:p14="http://schemas.microsoft.com/office/powerpoint/2010/main" val="1413359414"/>
+      </p:ext>
+    </p:extLst>
+  </p:cSld>
+  <p:clrMapOvr>
+    <a:masterClrMapping/>
+  </p:clrMapOvr>
+</p:sld>
+</file>
+
+<file path=ppt/slides/slide11.xml><?xml version="1.0" encoding="utf-8"?>
+<p:sld xmlns:a="http://schemas.openxmlformats.org/drawingml/2006/main" xmlns:r="http://schemas.openxmlformats.org/officeDocument/2006/relationships" xmlns:p="http://schemas.openxmlformats.org/presentationml/2006/main">
+  <p:cSld>
+    <p:spTree>
+      <p:nvGrpSpPr>
+        <p:cNvPr id="1" name=""/>
+        <p:cNvGrpSpPr/>
+        <p:nvPr/>
+      </p:nvGrpSpPr>
+      <p:grpSpPr>
+        <a:xfrm>
+          <a:off x="0" y="0"/>
+          <a:ext cx="0" cy="0"/>
+          <a:chOff x="0" y="0"/>
+          <a:chExt cx="0" cy="0"/>
+        </a:xfrm>
+      </p:grpSpPr>
+      <p:sp>
+        <p:nvSpPr>
+          <p:cNvPr id="3" name="Title 2"/>
+          <p:cNvSpPr>
+            <a:spLocks noGrp="1"/>
+          </p:cNvSpPr>
+          <p:nvPr>
+            <p:ph type="title"/>
+          </p:nvPr>
+        </p:nvSpPr>
+        <p:spPr>
+          <a:noFill/>
+        </p:spPr>
+        <p:txBody>
+          <a:bodyPr>
+            <a:noAutofit/>
+          </a:bodyPr>
+          <a:lstStyle/>
+          <a:p>
+            <a:r>
+              <a:rPr lang="en-US" sz="2800" dirty="0"/>
+              <a:t>The Renewable Energy Potential (V) Model</a:t>
+            </a:r>
+          </a:p>
+        </p:txBody>
+      </p:sp>
+      <p:pic>
+        <p:nvPicPr>
+          <p:cNvPr id="4" name="Picture 3" descr="C:\Users\sgossett\Pictures\39971.jpg"/>
+          <p:cNvPicPr>
+            <a:picLocks noChangeAspect="1" noChangeArrowheads="1"/>
+          </p:cNvPicPr>
+          <p:nvPr/>
+        </p:nvPicPr>
+        <p:blipFill rotWithShape="1">
+          <a:blip r:embed="rId3" cstate="hqprint">
+            <a:extLst>
+              <a:ext uri="{28A0092B-C50C-407E-A947-70E740481C1C}">
+                <a14:useLocalDpi xmlns:a14="http://schemas.microsoft.com/office/drawing/2010/main"/>
+              </a:ext>
+            </a:extLst>
+          </a:blip>
+          <a:srcRect/>
+          <a:stretch/>
+        </p:blipFill>
+        <p:spPr bwMode="auto">
+          <a:xfrm>
+            <a:off x="5787628" y="552492"/>
+            <a:ext cx="3014754" cy="4443607"/>
+          </a:xfrm>
+          <a:prstGeom prst="rect">
+            <a:avLst/>
+          </a:prstGeom>
+          <a:noFill/>
+          <a:extLst>
+            <a:ext uri="{909E8E84-426E-40dd-AFC4-6F175D3DCCD1}">
               <a14:hiddenFill xmlns:a14="http://schemas.microsoft.com/office/drawing/2010/main" xmlns="">
+                <a:solidFill>
+                  <a:srgbClr val="FFFFFF"/>
+                </a:solidFill>
+              </a14:hiddenFill>
+            </a:ext>
+          </a:extLst>
+        </p:spPr>
+      </p:pic>
+      <p:sp>
+        <p:nvSpPr>
+          <p:cNvPr id="7" name="TextBox 6">
+            <a:extLst>
+              <a:ext uri="{FF2B5EF4-FFF2-40B4-BE49-F238E27FC236}">
+                <a16:creationId xmlns:a16="http://schemas.microsoft.com/office/drawing/2014/main" id="{9793A477-B618-C24B-BF4B-D3DA2014EB02}"/>
+              </a:ext>
+            </a:extLst>
+          </p:cNvPr>
+          <p:cNvSpPr txBox="1"/>
+          <p:nvPr/>
+        </p:nvSpPr>
+        <p:spPr>
+          <a:xfrm>
+            <a:off x="457200" y="900953"/>
+            <a:ext cx="5330428" cy="646331"/>
+          </a:xfrm>
+          <a:prstGeom prst="rect">
+            <a:avLst/>
+          </a:prstGeom>
+          <a:noFill/>
+        </p:spPr>
+        <p:txBody>
+          <a:bodyPr wrap="square" rtlCol="0">
+            <a:spAutoFit/>
+          </a:bodyPr>
+          <a:lstStyle/>
+          <a:p>
+            <a:r>
+              <a:rPr lang="en-US" dirty="0"/>
+              <a:t>With the caveat above, show an example output of each module with our Morocco runs.</a:t>
+            </a:r>
+          </a:p>
+        </p:txBody>
+      </p:sp>
+      <p:sp>
+        <p:nvSpPr>
+          <p:cNvPr id="2" name="Rectangle 1">
+            <a:extLst>
+              <a:ext uri="{FF2B5EF4-FFF2-40B4-BE49-F238E27FC236}">
+                <a16:creationId xmlns:a16="http://schemas.microsoft.com/office/drawing/2014/main" id="{0DBBA41E-7CEB-F64E-8DD1-C7850D3B2155}"/>
+              </a:ext>
+            </a:extLst>
+          </p:cNvPr>
+          <p:cNvSpPr/>
+          <p:nvPr/>
+        </p:nvSpPr>
+        <p:spPr>
+          <a:xfrm>
+            <a:off x="341618" y="1558577"/>
+            <a:ext cx="4572000" cy="2431435"/>
+          </a:xfrm>
+          <a:prstGeom prst="rect">
+            <a:avLst/>
+          </a:prstGeom>
+        </p:spPr>
+        <p:txBody>
+          <a:bodyPr>
+            <a:spAutoFit/>
+          </a:bodyPr>
+          <a:lstStyle/>
+          <a:p>
+            <a:pPr marL="628650" lvl="1" indent="-171450">
+              <a:buFont typeface="Arial" panose="020B0604020202020204" pitchFamily="34" charset="0"/>
+              <a:buChar char="•"/>
+            </a:pPr>
+            <a:r>
+              <a:rPr lang="en-US" sz="800" dirty="0"/>
+              <a:t>Start with resource at the 2km scale – “Resource” – show aggregate diurnal timeseries plot</a:t>
+            </a:r>
+          </a:p>
+          <a:p>
+            <a:pPr marL="628650" lvl="1" indent="-171450">
+              <a:buFont typeface="Arial" panose="020B0604020202020204" pitchFamily="34" charset="0"/>
+              <a:buChar char="•"/>
+            </a:pPr>
+            <a:r>
+              <a:rPr lang="en-US" sz="800" dirty="0"/>
+              <a:t>Move to generation at 2km scale – “Generation” – show aggregate diurnal timeseries plot</a:t>
+            </a:r>
+          </a:p>
+          <a:p>
+            <a:pPr marL="628650" lvl="1" indent="-171450">
+              <a:buFont typeface="Arial" panose="020B0604020202020204" pitchFamily="34" charset="0"/>
+              <a:buChar char="•"/>
+            </a:pPr>
+            <a:r>
+              <a:rPr lang="en-US" sz="800" dirty="0"/>
+              <a:t>Move to aggregation at 11.5km scale – “Aggregation”</a:t>
+            </a:r>
+          </a:p>
+          <a:p>
+            <a:pPr marL="1085850" lvl="2" indent="-171450">
+              <a:buFont typeface="Arial" panose="020B0604020202020204" pitchFamily="34" charset="0"/>
+              <a:buChar char="•"/>
+            </a:pPr>
+            <a:r>
+              <a:rPr lang="en-US" sz="800" dirty="0"/>
+              <a:t>Keep 2km grid cells within</a:t>
+            </a:r>
+          </a:p>
+          <a:p>
+            <a:pPr marL="628650" lvl="1" indent="-171450">
+              <a:buFont typeface="Arial" panose="020B0604020202020204" pitchFamily="34" charset="0"/>
+              <a:buChar char="•"/>
+            </a:pPr>
+            <a:r>
+              <a:rPr lang="en-US" sz="800" dirty="0"/>
+              <a:t>Move to exclusions at 90m scale – “Exclusions”</a:t>
+            </a:r>
+          </a:p>
+          <a:p>
+            <a:pPr marL="1085850" lvl="2" indent="-171450">
+              <a:buFont typeface="Arial" panose="020B0604020202020204" pitchFamily="34" charset="0"/>
+              <a:buChar char="•"/>
+            </a:pPr>
+            <a:r>
+              <a:rPr lang="en-US" sz="800" dirty="0"/>
+              <a:t>Keep 11.5km grid, replace 2km grid with 90m grid</a:t>
+            </a:r>
+          </a:p>
+          <a:p>
+            <a:pPr marL="628650" lvl="1" indent="-171450">
+              <a:buFont typeface="Arial" panose="020B0604020202020204" pitchFamily="34" charset="0"/>
+              <a:buChar char="•"/>
+            </a:pPr>
+            <a:r>
+              <a:rPr lang="en-US" sz="800" dirty="0"/>
+              <a:t>Move to trans features back at the 11.5km scale – “Supply-curve”</a:t>
+            </a:r>
+          </a:p>
+          <a:p>
+            <a:pPr marL="1085850" lvl="2" indent="-171450">
+              <a:buFont typeface="Arial" panose="020B0604020202020204" pitchFamily="34" charset="0"/>
+              <a:buChar char="•"/>
+            </a:pPr>
+            <a:r>
+              <a:rPr lang="en-US" sz="800" dirty="0"/>
+              <a:t>Keep 1.5km grid, remove 90m grid, add transmission features</a:t>
+            </a:r>
+          </a:p>
+          <a:p>
+            <a:pPr marL="628650" lvl="1" indent="-171450">
+              <a:buFont typeface="Arial" panose="020B0604020202020204" pitchFamily="34" charset="0"/>
+              <a:buChar char="•"/>
+            </a:pPr>
+            <a:r>
+              <a:rPr lang="en-US" sz="800" dirty="0"/>
+              <a:t>Move to trans connections at 11.5km grid – “Supply-Curve”</a:t>
+            </a:r>
+          </a:p>
+          <a:p>
+            <a:pPr marL="1085850" lvl="2" indent="-171450">
+              <a:buFont typeface="Arial" panose="020B0604020202020204" pitchFamily="34" charset="0"/>
+              <a:buChar char="•"/>
+            </a:pPr>
+            <a:r>
+              <a:rPr lang="en-US" sz="800" dirty="0"/>
+              <a:t>Keep features show potential connections</a:t>
+            </a:r>
+          </a:p>
+          <a:p>
+            <a:pPr marL="628650" lvl="1" indent="-171450">
+              <a:buFont typeface="Arial" panose="020B0604020202020204" pitchFamily="34" charset="0"/>
+              <a:buChar char="•"/>
+            </a:pPr>
+            <a:r>
+              <a:rPr lang="en-US" sz="800" dirty="0"/>
+              <a:t>Move to trans assignment at 11.5km grid -  “Supply-Curve”</a:t>
+            </a:r>
+          </a:p>
+          <a:p>
+            <a:pPr marL="1085850" lvl="2" indent="-171450">
+              <a:buFont typeface="Arial" panose="020B0604020202020204" pitchFamily="34" charset="0"/>
+              <a:buChar char="•"/>
+            </a:pPr>
+            <a:r>
+              <a:rPr lang="en-US" sz="800" dirty="0"/>
+              <a:t>Remove other options, keep cheapest, or else keep top sorted option</a:t>
+            </a:r>
+          </a:p>
+          <a:p>
+            <a:pPr marL="628650" lvl="1" indent="-171450">
+              <a:buFont typeface="Arial" panose="020B0604020202020204" pitchFamily="34" charset="0"/>
+              <a:buChar char="•"/>
+            </a:pPr>
+            <a:r>
+              <a:rPr lang="en-US" sz="800" dirty="0"/>
+              <a:t>Move to rep-profiles – “Rep-Profiles”</a:t>
+            </a:r>
+          </a:p>
+          <a:p>
+            <a:pPr marL="1085850" lvl="2" indent="-171450">
+              <a:buFont typeface="Arial" panose="020B0604020202020204" pitchFamily="34" charset="0"/>
+              <a:buChar char="•"/>
+            </a:pPr>
+            <a:r>
+              <a:rPr lang="en-US" sz="800" dirty="0"/>
+              <a:t>Remove trans features, add 2km grid back in</a:t>
+            </a:r>
+          </a:p>
+          <a:p>
+            <a:pPr marL="628650" lvl="1" indent="-171450">
+              <a:buFont typeface="Arial" panose="020B0604020202020204" pitchFamily="34" charset="0"/>
+              <a:buChar char="•"/>
+            </a:pPr>
+            <a:r>
+              <a:rPr lang="en-US" sz="800" dirty="0"/>
+              <a:t>Move to rep-profiles selection with </a:t>
+            </a:r>
+            <a:r>
+              <a:rPr lang="en-US" sz="800" dirty="0" err="1"/>
+              <a:t>meanoid</a:t>
+            </a:r>
+            <a:r>
+              <a:rPr lang="en-US" sz="800" dirty="0"/>
+              <a:t> – “Rep-Profiles”. </a:t>
+            </a:r>
+          </a:p>
+          <a:p>
+            <a:pPr marL="1085850" lvl="2" indent="-171450">
+              <a:buFont typeface="Arial" panose="020B0604020202020204" pitchFamily="34" charset="0"/>
+              <a:buChar char="•"/>
+            </a:pPr>
+            <a:r>
+              <a:rPr lang="en-US" sz="800" dirty="0"/>
+              <a:t>Highlight singular point chosen, add time series graph</a:t>
+            </a:r>
+          </a:p>
+          <a:p>
+            <a:pPr marL="628650" lvl="1" indent="-171450">
+              <a:buFont typeface="Arial" panose="020B0604020202020204" pitchFamily="34" charset="0"/>
+              <a:buChar char="•"/>
+            </a:pPr>
+            <a:r>
+              <a:rPr lang="en-US" sz="800" dirty="0"/>
+              <a:t>Move to rep-profiles selection with aggregation– “Rep-Profiles”.</a:t>
+            </a:r>
+          </a:p>
+          <a:p>
+            <a:pPr marL="1085850" lvl="2" indent="-171450">
+              <a:buFont typeface="Arial" panose="020B0604020202020204" pitchFamily="34" charset="0"/>
+              <a:buChar char="•"/>
+            </a:pPr>
+            <a:r>
+              <a:rPr lang="en-US" sz="800" dirty="0"/>
+              <a:t>Highlight all 2km points, add time series graph</a:t>
+            </a:r>
+          </a:p>
+          <a:p>
+            <a:pPr marL="628650" lvl="1" indent="-171450">
+              <a:buFont typeface="Arial" panose="020B0604020202020204" pitchFamily="34" charset="0"/>
+              <a:buChar char="•"/>
+            </a:pPr>
+            <a:r>
+              <a:rPr lang="en-US" sz="800" dirty="0"/>
+              <a:t>Zoom out to national view, show icon for hdf5s and CSVs.</a:t>
+            </a:r>
+          </a:p>
+        </p:txBody>
+      </p:sp>
+    </p:spTree>
+    <p:extLst>
+      <p:ext uri="{BB962C8B-B14F-4D97-AF65-F5344CB8AC3E}">
+        <p14:creationId xmlns:p14="http://schemas.microsoft.com/office/powerpoint/2010/main" val="1879447426"/>
+      </p:ext>
+    </p:extLst>
+  </p:cSld>
+  <p:clrMapOvr>
+    <a:masterClrMapping/>
+  </p:clrMapOvr>
+</p:sld>
+</file>
+
+<file path=ppt/slides/slide12.xml><?xml version="1.0" encoding="utf-8"?>
+<p:sld xmlns:a="http://schemas.openxmlformats.org/drawingml/2006/main" xmlns:r="http://schemas.openxmlformats.org/officeDocument/2006/relationships" xmlns:p="http://schemas.openxmlformats.org/presentationml/2006/main">
+  <p:cSld>
+    <p:spTree>
+      <p:nvGrpSpPr>
+        <p:cNvPr id="1" name=""/>
+        <p:cNvGrpSpPr/>
+        <p:nvPr/>
+      </p:nvGrpSpPr>
+      <p:grpSpPr>
+        <a:xfrm>
+          <a:off x="0" y="0"/>
+          <a:ext cx="0" cy="0"/>
+          <a:chOff x="0" y="0"/>
+          <a:chExt cx="0" cy="0"/>
+        </a:xfrm>
+      </p:grpSpPr>
+      <p:sp>
+        <p:nvSpPr>
+          <p:cNvPr id="3" name="Title 2"/>
+          <p:cNvSpPr>
+            <a:spLocks noGrp="1"/>
+          </p:cNvSpPr>
+          <p:nvPr>
+            <p:ph type="title"/>
+          </p:nvPr>
+        </p:nvSpPr>
+        <p:spPr>
+          <a:noFill/>
+        </p:spPr>
+        <p:txBody>
+          <a:bodyPr>
+            <a:noAutofit/>
+          </a:bodyPr>
+          <a:lstStyle/>
+          <a:p>
+            <a:r>
+              <a:rPr lang="en-US" sz="2800" dirty="0"/>
+              <a:t>The Renewable Energy Potential (V) Model</a:t>
+            </a:r>
+          </a:p>
+        </p:txBody>
+      </p:sp>
+      <p:pic>
+        <p:nvPicPr>
+          <p:cNvPr id="4" name="Picture 3" descr="C:\Users\sgossett\Pictures\39971.jpg"/>
+          <p:cNvPicPr>
+            <a:picLocks noChangeAspect="1" noChangeArrowheads="1"/>
+          </p:cNvPicPr>
+          <p:nvPr/>
+        </p:nvPicPr>
+        <p:blipFill rotWithShape="1">
+          <a:blip r:embed="rId3" cstate="hqprint">
+            <a:extLst>
+              <a:ext uri="{28A0092B-C50C-407E-A947-70E740481C1C}">
+                <a14:useLocalDpi xmlns:a14="http://schemas.microsoft.com/office/drawing/2010/main"/>
+              </a:ext>
+            </a:extLst>
+          </a:blip>
+          <a:srcRect/>
+          <a:stretch/>
+        </p:blipFill>
+        <p:spPr bwMode="auto">
+          <a:xfrm>
+            <a:off x="5787628" y="552492"/>
+            <a:ext cx="3014754" cy="4443607"/>
+          </a:xfrm>
+          <a:prstGeom prst="rect">
+            <a:avLst/>
+          </a:prstGeom>
+          <a:noFill/>
+          <a:extLst>
+            <a:ext uri="{909E8E84-426E-40dd-AFC4-6F175D3DCCD1}">
+              <a14:hiddenFill xmlns="" xmlns:a14="http://schemas.microsoft.com/office/drawing/2010/main">
+                <a:solidFill>
+                  <a:srgbClr val="FFFFFF"/>
+                </a:solidFill>
+              </a14:hiddenFill>
+            </a:ext>
+          </a:extLst>
+        </p:spPr>
+      </p:pic>
+      <p:sp>
+        <p:nvSpPr>
+          <p:cNvPr id="7" name="TextBox 6">
+            <a:extLst>
+              <a:ext uri="{FF2B5EF4-FFF2-40B4-BE49-F238E27FC236}">
+                <a16:creationId xmlns:a16="http://schemas.microsoft.com/office/drawing/2014/main" id="{9793A477-B618-C24B-BF4B-D3DA2014EB02}"/>
+              </a:ext>
+            </a:extLst>
+          </p:cNvPr>
+          <p:cNvSpPr txBox="1"/>
+          <p:nvPr/>
+        </p:nvSpPr>
+        <p:spPr>
+          <a:xfrm>
+            <a:off x="457199" y="820167"/>
+            <a:ext cx="3563471" cy="369332"/>
+          </a:xfrm>
+          <a:prstGeom prst="rect">
+            <a:avLst/>
+          </a:prstGeom>
+          <a:noFill/>
+        </p:spPr>
+        <p:txBody>
+          <a:bodyPr wrap="square" rtlCol="0">
+            <a:spAutoFit/>
+          </a:bodyPr>
+          <a:lstStyle/>
+          <a:p>
+            <a:r>
+              <a:rPr lang="en-US" dirty="0"/>
+              <a:t>New/Developing Functionality</a:t>
+            </a:r>
+          </a:p>
+        </p:txBody>
+      </p:sp>
+      <p:sp>
+        <p:nvSpPr>
+          <p:cNvPr id="2" name="TextBox 1">
+            <a:extLst>
+              <a:ext uri="{FF2B5EF4-FFF2-40B4-BE49-F238E27FC236}">
+                <a16:creationId xmlns:a16="http://schemas.microsoft.com/office/drawing/2014/main" id="{CB6E9529-1D57-BC4C-9658-E912B7B46022}"/>
+              </a:ext>
+            </a:extLst>
+          </p:cNvPr>
+          <p:cNvSpPr txBox="1"/>
+          <p:nvPr/>
+        </p:nvSpPr>
+        <p:spPr>
+          <a:xfrm>
+            <a:off x="457199" y="1420051"/>
+            <a:ext cx="4908176" cy="3139321"/>
+          </a:xfrm>
+          <a:prstGeom prst="rect">
+            <a:avLst/>
+          </a:prstGeom>
+          <a:noFill/>
+        </p:spPr>
+        <p:txBody>
+          <a:bodyPr wrap="square" rtlCol="0">
+            <a:spAutoFit/>
+          </a:bodyPr>
+          <a:lstStyle/>
+          <a:p>
+            <a:pPr marL="285750" indent="-285750">
+              <a:buFontTx/>
+              <a:buChar char="-"/>
+            </a:pPr>
+            <a:r>
+              <a:rPr lang="en-US" dirty="0"/>
+              <a:t>NRWAL:</a:t>
+            </a:r>
+          </a:p>
+          <a:p>
+            <a:pPr marL="742950" lvl="1" indent="-285750">
+              <a:buFontTx/>
+              <a:buChar char="-"/>
+            </a:pPr>
+            <a:r>
+              <a:rPr lang="en-US" sz="1200" dirty="0"/>
+              <a:t>Mainly designed for offshore costs.</a:t>
+            </a:r>
+          </a:p>
+          <a:p>
+            <a:pPr marL="742950" lvl="1" indent="-285750">
+              <a:buFontTx/>
+              <a:buChar char="-"/>
+            </a:pPr>
+            <a:r>
+              <a:rPr lang="en-US" sz="1200" dirty="0"/>
+              <a:t>Provides a way to incorporate mathematical relationships into reV outputs. </a:t>
+            </a:r>
+          </a:p>
+          <a:p>
+            <a:pPr marL="285750" indent="-285750">
+              <a:buFontTx/>
+              <a:buChar char="-"/>
+            </a:pPr>
+            <a:r>
+              <a:rPr lang="en-US" dirty="0"/>
+              <a:t>“Bespoke” Wind Turbine Placement:</a:t>
+            </a:r>
+          </a:p>
+          <a:p>
+            <a:pPr marL="742950" lvl="1" indent="-285750">
+              <a:buFontTx/>
+              <a:buChar char="-"/>
+            </a:pPr>
+            <a:r>
+              <a:rPr lang="en-US" sz="1200" dirty="0"/>
+              <a:t>Dynamically placing turbines in the ground</a:t>
+            </a:r>
+          </a:p>
+          <a:p>
+            <a:pPr marL="742950" lvl="1" indent="-285750">
+              <a:buFontTx/>
+              <a:buChar char="-"/>
+            </a:pPr>
+            <a:r>
+              <a:rPr lang="en-US" sz="1200" dirty="0"/>
+              <a:t>Optimizes placement based on the wind strength, direction, land availability and an objective function (max profit, max generation, least cost). </a:t>
+            </a:r>
+          </a:p>
+          <a:p>
+            <a:pPr marL="285750" indent="-285750">
+              <a:buFontTx/>
+              <a:buChar char="-"/>
+            </a:pPr>
+            <a:r>
+              <a:rPr lang="en-US" dirty="0"/>
+              <a:t>“Hybrid” Plants:</a:t>
+            </a:r>
+          </a:p>
+          <a:p>
+            <a:pPr marL="742950" lvl="1" indent="-285750">
+              <a:buFontTx/>
+              <a:buChar char="-"/>
+            </a:pPr>
+            <a:r>
+              <a:rPr lang="en-US" sz="1200" dirty="0"/>
+              <a:t>Combines wind and solar profiles with user-defined ratios.</a:t>
+            </a:r>
+          </a:p>
+          <a:p>
+            <a:pPr marL="742950" lvl="1" indent="-285750">
+              <a:buFontTx/>
+              <a:buChar char="-"/>
+            </a:pPr>
+            <a:r>
+              <a:rPr lang="en-US" sz="1200" dirty="0"/>
+              <a:t>Brand new as of this month</a:t>
+            </a:r>
+          </a:p>
+          <a:p>
+            <a:pPr marL="742950" lvl="1" indent="-285750">
+              <a:buFontTx/>
+              <a:buChar char="-"/>
+            </a:pPr>
+            <a:r>
+              <a:rPr lang="en-US" sz="1200" dirty="0"/>
+              <a:t>Once you have the profiles you can treat them as a generation file in the aggregation module.</a:t>
+            </a:r>
+          </a:p>
+          <a:p>
+            <a:pPr marL="742950" lvl="1" indent="-285750">
+              <a:buFontTx/>
+              <a:buChar char="-"/>
+            </a:pPr>
+            <a:endParaRPr lang="en-US" sz="1200" dirty="0"/>
+          </a:p>
+        </p:txBody>
+      </p:sp>
+    </p:spTree>
+    <p:extLst>
+      <p:ext uri="{BB962C8B-B14F-4D97-AF65-F5344CB8AC3E}">
+        <p14:creationId xmlns:p14="http://schemas.microsoft.com/office/powerpoint/2010/main" val="1624528756"/>
+      </p:ext>
+    </p:extLst>
+  </p:cSld>
+  <p:clrMapOvr>
+    <a:masterClrMapping/>
+  </p:clrMapOvr>
+</p:sld>
+</file>
+
+<file path=ppt/slides/slide13.xml><?xml version="1.0" encoding="utf-8"?>
+<p:sld xmlns:a="http://schemas.openxmlformats.org/drawingml/2006/main" xmlns:r="http://schemas.openxmlformats.org/officeDocument/2006/relationships" xmlns:p="http://schemas.openxmlformats.org/presentationml/2006/main">
+  <p:cSld>
+    <p:spTree>
+      <p:nvGrpSpPr>
+        <p:cNvPr id="1" name=""/>
+        <p:cNvGrpSpPr/>
+        <p:nvPr/>
+      </p:nvGrpSpPr>
+      <p:grpSpPr>
+        <a:xfrm>
+          <a:off x="0" y="0"/>
+          <a:ext cx="0" cy="0"/>
+          <a:chOff x="0" y="0"/>
+          <a:chExt cx="0" cy="0"/>
+        </a:xfrm>
+      </p:grpSpPr>
+      <p:sp>
+        <p:nvSpPr>
+          <p:cNvPr id="3" name="Title 2"/>
+          <p:cNvSpPr>
+            <a:spLocks noGrp="1"/>
+          </p:cNvSpPr>
+          <p:nvPr>
+            <p:ph type="title"/>
+          </p:nvPr>
+        </p:nvSpPr>
+        <p:spPr>
+          <a:noFill/>
+        </p:spPr>
+        <p:txBody>
+          <a:bodyPr>
+            <a:noAutofit/>
+          </a:bodyPr>
+          <a:lstStyle/>
+          <a:p>
+            <a:r>
+              <a:rPr lang="en-US" sz="2800" dirty="0"/>
+              <a:t>The Renewable Energy Potential (V) Model</a:t>
+            </a:r>
+          </a:p>
+        </p:txBody>
+      </p:sp>
+      <p:pic>
+        <p:nvPicPr>
+          <p:cNvPr id="4" name="Picture 3" descr="C:\Users\sgossett\Pictures\39971.jpg"/>
+          <p:cNvPicPr>
+            <a:picLocks noChangeAspect="1" noChangeArrowheads="1"/>
+          </p:cNvPicPr>
+          <p:nvPr/>
+        </p:nvPicPr>
+        <p:blipFill rotWithShape="1">
+          <a:blip r:embed="rId3" cstate="hqprint">
+            <a:extLst>
+              <a:ext uri="{28A0092B-C50C-407E-A947-70E740481C1C}">
+                <a14:useLocalDpi xmlns:a14="http://schemas.microsoft.com/office/drawing/2010/main"/>
+              </a:ext>
+            </a:extLst>
+          </a:blip>
+          <a:srcRect/>
+          <a:stretch/>
+        </p:blipFill>
+        <p:spPr bwMode="auto">
+          <a:xfrm>
+            <a:off x="5787628" y="552492"/>
+            <a:ext cx="3014754" cy="4443607"/>
+          </a:xfrm>
+          <a:prstGeom prst="rect">
+            <a:avLst/>
+          </a:prstGeom>
+          <a:noFill/>
+          <a:extLst>
+            <a:ext uri="{909E8E84-426E-40dd-AFC4-6F175D3DCCD1}">
+              <a14:hiddenFill xmlns:a14="http://schemas.microsoft.com/office/drawing/2010/main" xmlns="">
+                <a:solidFill>
+                  <a:srgbClr val="FFFFFF"/>
+                </a:solidFill>
+              </a14:hiddenFill>
+            </a:ext>
+          </a:extLst>
+        </p:spPr>
+      </p:pic>
+      <p:sp>
+        <p:nvSpPr>
+          <p:cNvPr id="7" name="TextBox 6">
+            <a:extLst>
+              <a:ext uri="{FF2B5EF4-FFF2-40B4-BE49-F238E27FC236}">
+                <a16:creationId xmlns:a16="http://schemas.microsoft.com/office/drawing/2014/main" id="{9793A477-B618-C24B-BF4B-D3DA2014EB02}"/>
+              </a:ext>
+            </a:extLst>
+          </p:cNvPr>
+          <p:cNvSpPr txBox="1"/>
+          <p:nvPr/>
+        </p:nvSpPr>
+        <p:spPr>
+          <a:xfrm>
+            <a:off x="457199" y="820167"/>
+            <a:ext cx="3563471" cy="369332"/>
+          </a:xfrm>
+          <a:prstGeom prst="rect">
+            <a:avLst/>
+          </a:prstGeom>
+          <a:noFill/>
+        </p:spPr>
+        <p:txBody>
+          <a:bodyPr wrap="square" rtlCol="0">
+            <a:spAutoFit/>
+          </a:bodyPr>
+          <a:lstStyle/>
+          <a:p>
+            <a:r>
+              <a:rPr lang="en-US" dirty="0"/>
+              <a:t>Introduce reView</a:t>
+            </a:r>
+          </a:p>
+        </p:txBody>
+      </p:sp>
+      <p:sp>
+        <p:nvSpPr>
+          <p:cNvPr id="6" name="TextBox 5">
+            <a:extLst>
+              <a:ext uri="{FF2B5EF4-FFF2-40B4-BE49-F238E27FC236}">
+                <a16:creationId xmlns:a16="http://schemas.microsoft.com/office/drawing/2014/main" id="{5BAE8371-9EA6-C943-B521-2BB046434BEA}"/>
+              </a:ext>
+            </a:extLst>
+          </p:cNvPr>
+          <p:cNvSpPr txBox="1"/>
+          <p:nvPr/>
+        </p:nvSpPr>
+        <p:spPr>
+          <a:xfrm>
+            <a:off x="457199" y="1420051"/>
+            <a:ext cx="1822078" cy="369332"/>
+          </a:xfrm>
+          <a:prstGeom prst="rect">
+            <a:avLst/>
+          </a:prstGeom>
+          <a:noFill/>
+        </p:spPr>
+        <p:txBody>
+          <a:bodyPr wrap="square" rtlCol="0">
+            <a:spAutoFit/>
+          </a:bodyPr>
+          <a:lstStyle/>
+          <a:p>
+            <a:r>
+              <a:rPr lang="en-US" dirty="0"/>
+              <a:t>THIS IS NOT REV</a:t>
+            </a:r>
+          </a:p>
+        </p:txBody>
+      </p:sp>
+    </p:spTree>
+    <p:extLst>
+      <p:ext uri="{BB962C8B-B14F-4D97-AF65-F5344CB8AC3E}">
+        <p14:creationId xmlns:p14="http://schemas.microsoft.com/office/powerpoint/2010/main" val="3393909067"/>
+      </p:ext>
+    </p:extLst>
+  </p:cSld>
+  <p:clrMapOvr>
+    <a:masterClrMapping/>
+  </p:clrMapOvr>
+</p:sld>
+</file>
+
+<file path=ppt/slides/slide2.xml><?xml version="1.0" encoding="utf-8"?>
+<p:sld xmlns:a="http://schemas.openxmlformats.org/drawingml/2006/main" xmlns:r="http://schemas.openxmlformats.org/officeDocument/2006/relationships" xmlns:p="http://schemas.openxmlformats.org/presentationml/2006/main">
+  <p:cSld>
+    <p:spTree>
+      <p:nvGrpSpPr>
+        <p:cNvPr id="1" name=""/>
+        <p:cNvGrpSpPr/>
+        <p:nvPr/>
+      </p:nvGrpSpPr>
+      <p:grpSpPr>
+        <a:xfrm>
+          <a:off x="0" y="0"/>
+          <a:ext cx="0" cy="0"/>
+          <a:chOff x="0" y="0"/>
+          <a:chExt cx="0" cy="0"/>
+        </a:xfrm>
+      </p:grpSpPr>
+      <p:sp>
+        <p:nvSpPr>
+          <p:cNvPr id="3" name="Title 2"/>
+          <p:cNvSpPr>
+            <a:spLocks noGrp="1"/>
+          </p:cNvSpPr>
+          <p:nvPr>
+            <p:ph type="title"/>
+          </p:nvPr>
+        </p:nvSpPr>
+        <p:spPr>
+          <a:noFill/>
+        </p:spPr>
+        <p:txBody>
+          <a:bodyPr>
+            <a:noAutofit/>
+          </a:bodyPr>
+          <a:lstStyle/>
+          <a:p>
+            <a:r>
+              <a:rPr lang="en-US" sz="2800" dirty="0"/>
+              <a:t>The Renewable Energy Potential Model</a:t>
+            </a:r>
+          </a:p>
+        </p:txBody>
+      </p:sp>
+      <p:pic>
+        <p:nvPicPr>
+          <p:cNvPr id="4" name="Picture 3" descr="C:\Users\sgossett\Pictures\39971.jpg"/>
+          <p:cNvPicPr>
+            <a:picLocks noChangeAspect="1" noChangeArrowheads="1"/>
+          </p:cNvPicPr>
+          <p:nvPr/>
+        </p:nvPicPr>
+        <p:blipFill rotWithShape="1">
+          <a:blip r:embed="rId3" cstate="hqprint">
+            <a:extLst>
+              <a:ext uri="{28A0092B-C50C-407E-A947-70E740481C1C}">
+                <a14:useLocalDpi xmlns:a14="http://schemas.microsoft.com/office/drawing/2010/main"/>
+              </a:ext>
+            </a:extLst>
+          </a:blip>
+          <a:srcRect/>
+          <a:stretch/>
+        </p:blipFill>
+        <p:spPr bwMode="auto">
+          <a:xfrm>
+            <a:off x="5787628" y="552492"/>
+            <a:ext cx="3014754" cy="4443607"/>
+          </a:xfrm>
+          <a:prstGeom prst="rect">
+            <a:avLst/>
+          </a:prstGeom>
+          <a:noFill/>
+          <a:extLst>
+            <a:ext uri="{909E8E84-426E-40dd-AFC4-6F175D3DCCD1}">
+              <a14:hiddenFill xmlns="" xmlns:a14="http://schemas.microsoft.com/office/drawing/2010/main">
                 <a:solidFill>
                   <a:srgbClr val="FFFFFF"/>
                 </a:solidFill>
@@ -23059,7 +24935,7 @@
           <a:noFill/>
           <a:extLst>
             <a:ext uri="{909E8E84-426E-40dd-AFC4-6F175D3DCCD1}">
-              <a14:hiddenFill xmlns="" xmlns:a14="http://schemas.microsoft.com/office/drawing/2010/main">
+              <a14:hiddenFill xmlns:a14="http://schemas.microsoft.com/office/drawing/2010/main" xmlns="">
                 <a:solidFill>
                   <a:srgbClr val="FFFFFF"/>
                 </a:solidFill>
@@ -23365,6 +25241,826 @@
     <p:extLst>
       <p:ext uri="{BB962C8B-B14F-4D97-AF65-F5344CB8AC3E}">
         <p14:creationId xmlns:p14="http://schemas.microsoft.com/office/powerpoint/2010/main" val="3485368997"/>
+      </p:ext>
+    </p:extLst>
+  </p:cSld>
+  <p:clrMapOvr>
+    <a:masterClrMapping/>
+  </p:clrMapOvr>
+</p:sld>
+</file>
+
+<file path=ppt/slides/slide4.xml><?xml version="1.0" encoding="utf-8"?>
+<p:sld xmlns:a="http://schemas.openxmlformats.org/drawingml/2006/main" xmlns:r="http://schemas.openxmlformats.org/officeDocument/2006/relationships" xmlns:p="http://schemas.openxmlformats.org/presentationml/2006/main">
+  <p:cSld>
+    <p:spTree>
+      <p:nvGrpSpPr>
+        <p:cNvPr id="1" name=""/>
+        <p:cNvGrpSpPr/>
+        <p:nvPr/>
+      </p:nvGrpSpPr>
+      <p:grpSpPr>
+        <a:xfrm>
+          <a:off x="0" y="0"/>
+          <a:ext cx="0" cy="0"/>
+          <a:chOff x="0" y="0"/>
+          <a:chExt cx="0" cy="0"/>
+        </a:xfrm>
+      </p:grpSpPr>
+      <p:sp>
+        <p:nvSpPr>
+          <p:cNvPr id="3" name="Title 2"/>
+          <p:cNvSpPr>
+            <a:spLocks noGrp="1"/>
+          </p:cNvSpPr>
+          <p:nvPr>
+            <p:ph type="title"/>
+          </p:nvPr>
+        </p:nvSpPr>
+        <p:spPr>
+          <a:noFill/>
+        </p:spPr>
+        <p:txBody>
+          <a:bodyPr>
+            <a:noAutofit/>
+          </a:bodyPr>
+          <a:lstStyle/>
+          <a:p>
+            <a:r>
+              <a:rPr lang="en-US" sz="2800" dirty="0"/>
+              <a:t>The Renewable Energy Potential (V) Model</a:t>
+            </a:r>
+          </a:p>
+        </p:txBody>
+      </p:sp>
+      <p:pic>
+        <p:nvPicPr>
+          <p:cNvPr id="4" name="Picture 3" descr="C:\Users\sgossett\Pictures\39971.jpg"/>
+          <p:cNvPicPr>
+            <a:picLocks noChangeAspect="1" noChangeArrowheads="1"/>
+          </p:cNvPicPr>
+          <p:nvPr/>
+        </p:nvPicPr>
+        <p:blipFill rotWithShape="1">
+          <a:blip r:embed="rId3" cstate="hqprint">
+            <a:extLst>
+              <a:ext uri="{28A0092B-C50C-407E-A947-70E740481C1C}">
+                <a14:useLocalDpi xmlns:a14="http://schemas.microsoft.com/office/drawing/2010/main"/>
+              </a:ext>
+            </a:extLst>
+          </a:blip>
+          <a:srcRect/>
+          <a:stretch/>
+        </p:blipFill>
+        <p:spPr bwMode="auto">
+          <a:xfrm>
+            <a:off x="5787628" y="552492"/>
+            <a:ext cx="3014754" cy="4443607"/>
+          </a:xfrm>
+          <a:prstGeom prst="rect">
+            <a:avLst/>
+          </a:prstGeom>
+          <a:noFill/>
+          <a:extLst>
+            <a:ext uri="{909E8E84-426E-40dd-AFC4-6F175D3DCCD1}">
+              <a14:hiddenFill xmlns="" xmlns:a14="http://schemas.microsoft.com/office/drawing/2010/main">
+                <a:solidFill>
+                  <a:srgbClr val="FFFFFF"/>
+                </a:solidFill>
+              </a14:hiddenFill>
+            </a:ext>
+          </a:extLst>
+        </p:spPr>
+      </p:pic>
+      <p:sp>
+        <p:nvSpPr>
+          <p:cNvPr id="7" name="TextBox 6">
+            <a:extLst>
+              <a:ext uri="{FF2B5EF4-FFF2-40B4-BE49-F238E27FC236}">
+                <a16:creationId xmlns:a16="http://schemas.microsoft.com/office/drawing/2014/main" id="{094E8DA4-7A3D-8D4A-8915-AD01E3AB43B0}"/>
+              </a:ext>
+            </a:extLst>
+          </p:cNvPr>
+          <p:cNvSpPr txBox="1"/>
+          <p:nvPr/>
+        </p:nvSpPr>
+        <p:spPr>
+          <a:xfrm>
+            <a:off x="457201" y="658905"/>
+            <a:ext cx="4262718" cy="646331"/>
+          </a:xfrm>
+          <a:prstGeom prst="rect">
+            <a:avLst/>
+          </a:prstGeom>
+          <a:noFill/>
+        </p:spPr>
+        <p:txBody>
+          <a:bodyPr wrap="square" rtlCol="0">
+            <a:spAutoFit/>
+          </a:bodyPr>
+          <a:lstStyle/>
+          <a:p>
+            <a:r>
+              <a:rPr lang="en-US" dirty="0"/>
+              <a:t>Let’s give some example output images here to maintain interest.</a:t>
+            </a:r>
+          </a:p>
+        </p:txBody>
+      </p:sp>
+    </p:spTree>
+    <p:extLst>
+      <p:ext uri="{BB962C8B-B14F-4D97-AF65-F5344CB8AC3E}">
+        <p14:creationId xmlns:p14="http://schemas.microsoft.com/office/powerpoint/2010/main" val="4089115294"/>
+      </p:ext>
+    </p:extLst>
+  </p:cSld>
+  <p:clrMapOvr>
+    <a:masterClrMapping/>
+  </p:clrMapOvr>
+</p:sld>
+</file>
+
+<file path=ppt/slides/slide5.xml><?xml version="1.0" encoding="utf-8"?>
+<p:sld xmlns:a="http://schemas.openxmlformats.org/drawingml/2006/main" xmlns:r="http://schemas.openxmlformats.org/officeDocument/2006/relationships" xmlns:p="http://schemas.openxmlformats.org/presentationml/2006/main">
+  <p:cSld>
+    <p:spTree>
+      <p:nvGrpSpPr>
+        <p:cNvPr id="1" name=""/>
+        <p:cNvGrpSpPr/>
+        <p:nvPr/>
+      </p:nvGrpSpPr>
+      <p:grpSpPr>
+        <a:xfrm>
+          <a:off x="0" y="0"/>
+          <a:ext cx="0" cy="0"/>
+          <a:chOff x="0" y="0"/>
+          <a:chExt cx="0" cy="0"/>
+        </a:xfrm>
+      </p:grpSpPr>
+      <p:sp>
+        <p:nvSpPr>
+          <p:cNvPr id="3" name="Title 2"/>
+          <p:cNvSpPr>
+            <a:spLocks noGrp="1"/>
+          </p:cNvSpPr>
+          <p:nvPr>
+            <p:ph type="title"/>
+          </p:nvPr>
+        </p:nvSpPr>
+        <p:spPr>
+          <a:noFill/>
+        </p:spPr>
+        <p:txBody>
+          <a:bodyPr>
+            <a:noAutofit/>
+          </a:bodyPr>
+          <a:lstStyle/>
+          <a:p>
+            <a:r>
+              <a:rPr lang="en-US" sz="2800" dirty="0"/>
+              <a:t>The Renewable Energy Potential (V) Model</a:t>
+            </a:r>
+          </a:p>
+        </p:txBody>
+      </p:sp>
+      <p:pic>
+        <p:nvPicPr>
+          <p:cNvPr id="4" name="Picture 3" descr="C:\Users\sgossett\Pictures\39971.jpg"/>
+          <p:cNvPicPr>
+            <a:picLocks noChangeAspect="1" noChangeArrowheads="1"/>
+          </p:cNvPicPr>
+          <p:nvPr/>
+        </p:nvPicPr>
+        <p:blipFill rotWithShape="1">
+          <a:blip r:embed="rId3" cstate="hqprint">
+            <a:extLst>
+              <a:ext uri="{28A0092B-C50C-407E-A947-70E740481C1C}">
+                <a14:useLocalDpi xmlns:a14="http://schemas.microsoft.com/office/drawing/2010/main"/>
+              </a:ext>
+            </a:extLst>
+          </a:blip>
+          <a:srcRect/>
+          <a:stretch/>
+        </p:blipFill>
+        <p:spPr bwMode="auto">
+          <a:xfrm>
+            <a:off x="5787628" y="552492"/>
+            <a:ext cx="3014754" cy="4443607"/>
+          </a:xfrm>
+          <a:prstGeom prst="rect">
+            <a:avLst/>
+          </a:prstGeom>
+          <a:noFill/>
+          <a:extLst>
+            <a:ext uri="{909E8E84-426E-40dd-AFC4-6F175D3DCCD1}">
+              <a14:hiddenFill xmlns:a14="http://schemas.microsoft.com/office/drawing/2010/main" xmlns="">
+                <a:solidFill>
+                  <a:srgbClr val="FFFFFF"/>
+                </a:solidFill>
+              </a14:hiddenFill>
+            </a:ext>
+          </a:extLst>
+        </p:spPr>
+      </p:pic>
+      <p:sp>
+        <p:nvSpPr>
+          <p:cNvPr id="7" name="TextBox 6">
+            <a:extLst>
+              <a:ext uri="{FF2B5EF4-FFF2-40B4-BE49-F238E27FC236}">
+                <a16:creationId xmlns:a16="http://schemas.microsoft.com/office/drawing/2014/main" id="{094E8DA4-7A3D-8D4A-8915-AD01E3AB43B0}"/>
+              </a:ext>
+            </a:extLst>
+          </p:cNvPr>
+          <p:cNvSpPr txBox="1"/>
+          <p:nvPr/>
+        </p:nvSpPr>
+        <p:spPr>
+          <a:xfrm>
+            <a:off x="457201" y="658905"/>
+            <a:ext cx="4262718" cy="646331"/>
+          </a:xfrm>
+          <a:prstGeom prst="rect">
+            <a:avLst/>
+          </a:prstGeom>
+          <a:noFill/>
+        </p:spPr>
+        <p:txBody>
+          <a:bodyPr wrap="square" rtlCol="0">
+            <a:spAutoFit/>
+          </a:bodyPr>
+          <a:lstStyle/>
+          <a:p>
+            <a:r>
+              <a:rPr lang="en-US" dirty="0"/>
+              <a:t>Technical Potential and </a:t>
+            </a:r>
+            <a:r>
+              <a:rPr lang="en-US" dirty="0" err="1"/>
+              <a:t>reV’s</a:t>
+            </a:r>
+            <a:r>
+              <a:rPr lang="en-US" dirty="0"/>
+              <a:t>  position in the NREL modeling pipeline.</a:t>
+            </a:r>
+          </a:p>
+        </p:txBody>
+      </p:sp>
+    </p:spTree>
+    <p:extLst>
+      <p:ext uri="{BB962C8B-B14F-4D97-AF65-F5344CB8AC3E}">
+        <p14:creationId xmlns:p14="http://schemas.microsoft.com/office/powerpoint/2010/main" val="1037156330"/>
+      </p:ext>
+    </p:extLst>
+  </p:cSld>
+  <p:clrMapOvr>
+    <a:masterClrMapping/>
+  </p:clrMapOvr>
+</p:sld>
+</file>
+
+<file path=ppt/slides/slide6.xml><?xml version="1.0" encoding="utf-8"?>
+<p:sld xmlns:a="http://schemas.openxmlformats.org/drawingml/2006/main" xmlns:r="http://schemas.openxmlformats.org/officeDocument/2006/relationships" xmlns:p="http://schemas.openxmlformats.org/presentationml/2006/main">
+  <p:cSld>
+    <p:spTree>
+      <p:nvGrpSpPr>
+        <p:cNvPr id="1" name=""/>
+        <p:cNvGrpSpPr/>
+        <p:nvPr/>
+      </p:nvGrpSpPr>
+      <p:grpSpPr>
+        <a:xfrm>
+          <a:off x="0" y="0"/>
+          <a:ext cx="0" cy="0"/>
+          <a:chOff x="0" y="0"/>
+          <a:chExt cx="0" cy="0"/>
+        </a:xfrm>
+      </p:grpSpPr>
+      <p:sp>
+        <p:nvSpPr>
+          <p:cNvPr id="3" name="Title 2"/>
+          <p:cNvSpPr>
+            <a:spLocks noGrp="1"/>
+          </p:cNvSpPr>
+          <p:nvPr>
+            <p:ph type="title"/>
+          </p:nvPr>
+        </p:nvSpPr>
+        <p:spPr>
+          <a:noFill/>
+        </p:spPr>
+        <p:txBody>
+          <a:bodyPr>
+            <a:noAutofit/>
+          </a:bodyPr>
+          <a:lstStyle/>
+          <a:p>
+            <a:r>
+              <a:rPr lang="en-US" sz="2800" dirty="0"/>
+              <a:t>The Renewable Energy Potential (V) Model</a:t>
+            </a:r>
+          </a:p>
+        </p:txBody>
+      </p:sp>
+      <p:pic>
+        <p:nvPicPr>
+          <p:cNvPr id="4" name="Picture 3" descr="C:\Users\sgossett\Pictures\39971.jpg"/>
+          <p:cNvPicPr>
+            <a:picLocks noChangeAspect="1" noChangeArrowheads="1"/>
+          </p:cNvPicPr>
+          <p:nvPr/>
+        </p:nvPicPr>
+        <p:blipFill rotWithShape="1">
+          <a:blip r:embed="rId3" cstate="hqprint">
+            <a:extLst>
+              <a:ext uri="{28A0092B-C50C-407E-A947-70E740481C1C}">
+                <a14:useLocalDpi xmlns:a14="http://schemas.microsoft.com/office/drawing/2010/main"/>
+              </a:ext>
+            </a:extLst>
+          </a:blip>
+          <a:srcRect/>
+          <a:stretch/>
+        </p:blipFill>
+        <p:spPr bwMode="auto">
+          <a:xfrm>
+            <a:off x="5787628" y="552492"/>
+            <a:ext cx="3014754" cy="4443607"/>
+          </a:xfrm>
+          <a:prstGeom prst="rect">
+            <a:avLst/>
+          </a:prstGeom>
+          <a:noFill/>
+          <a:extLst>
+            <a:ext uri="{909E8E84-426E-40dd-AFC4-6F175D3DCCD1}">
+              <a14:hiddenFill xmlns="" xmlns:a14="http://schemas.microsoft.com/office/drawing/2010/main">
+                <a:solidFill>
+                  <a:srgbClr val="FFFFFF"/>
+                </a:solidFill>
+              </a14:hiddenFill>
+            </a:ext>
+          </a:extLst>
+        </p:spPr>
+      </p:pic>
+      <p:sp>
+        <p:nvSpPr>
+          <p:cNvPr id="7" name="TextBox 6">
+            <a:extLst>
+              <a:ext uri="{FF2B5EF4-FFF2-40B4-BE49-F238E27FC236}">
+                <a16:creationId xmlns:a16="http://schemas.microsoft.com/office/drawing/2014/main" id="{9793A477-B618-C24B-BF4B-D3DA2014EB02}"/>
+              </a:ext>
+            </a:extLst>
+          </p:cNvPr>
+          <p:cNvSpPr txBox="1"/>
+          <p:nvPr/>
+        </p:nvSpPr>
+        <p:spPr>
+          <a:xfrm>
+            <a:off x="457200" y="900953"/>
+            <a:ext cx="5339347" cy="1200329"/>
+          </a:xfrm>
+          <a:prstGeom prst="rect">
+            <a:avLst/>
+          </a:prstGeom>
+          <a:noFill/>
+        </p:spPr>
+        <p:txBody>
+          <a:bodyPr wrap="none" rtlCol="0">
+            <a:spAutoFit/>
+          </a:bodyPr>
+          <a:lstStyle/>
+          <a:p>
+            <a:r>
+              <a:rPr lang="en-US" dirty="0"/>
+              <a:t>Here let’s make sure they know that reV does not </a:t>
+            </a:r>
+          </a:p>
+          <a:p>
+            <a:r>
+              <a:rPr lang="en-US" dirty="0"/>
+              <a:t>have a user interface. Then let’s provide links to the </a:t>
+            </a:r>
+          </a:p>
+          <a:p>
+            <a:r>
+              <a:rPr lang="en-US" dirty="0"/>
+              <a:t>reV </a:t>
+            </a:r>
+            <a:r>
+              <a:rPr lang="en-US" dirty="0" err="1"/>
+              <a:t>Github</a:t>
+            </a:r>
+            <a:r>
+              <a:rPr lang="en-US" dirty="0"/>
+              <a:t>, the reV docs, anything else that might help</a:t>
+            </a:r>
+          </a:p>
+          <a:p>
+            <a:r>
+              <a:rPr lang="en-US" dirty="0"/>
+              <a:t>Here.</a:t>
+            </a:r>
+          </a:p>
+        </p:txBody>
+      </p:sp>
+    </p:spTree>
+    <p:extLst>
+      <p:ext uri="{BB962C8B-B14F-4D97-AF65-F5344CB8AC3E}">
+        <p14:creationId xmlns:p14="http://schemas.microsoft.com/office/powerpoint/2010/main" val="2647294231"/>
+      </p:ext>
+    </p:extLst>
+  </p:cSld>
+  <p:clrMapOvr>
+    <a:masterClrMapping/>
+  </p:clrMapOvr>
+</p:sld>
+</file>
+
+<file path=ppt/slides/slide7.xml><?xml version="1.0" encoding="utf-8"?>
+<p:sld xmlns:a="http://schemas.openxmlformats.org/drawingml/2006/main" xmlns:r="http://schemas.openxmlformats.org/officeDocument/2006/relationships" xmlns:p="http://schemas.openxmlformats.org/presentationml/2006/main">
+  <p:cSld>
+    <p:spTree>
+      <p:nvGrpSpPr>
+        <p:cNvPr id="1" name=""/>
+        <p:cNvGrpSpPr/>
+        <p:nvPr/>
+      </p:nvGrpSpPr>
+      <p:grpSpPr>
+        <a:xfrm>
+          <a:off x="0" y="0"/>
+          <a:ext cx="0" cy="0"/>
+          <a:chOff x="0" y="0"/>
+          <a:chExt cx="0" cy="0"/>
+        </a:xfrm>
+      </p:grpSpPr>
+      <p:sp>
+        <p:nvSpPr>
+          <p:cNvPr id="3" name="Title 2"/>
+          <p:cNvSpPr>
+            <a:spLocks noGrp="1"/>
+          </p:cNvSpPr>
+          <p:nvPr>
+            <p:ph type="title"/>
+          </p:nvPr>
+        </p:nvSpPr>
+        <p:spPr>
+          <a:noFill/>
+        </p:spPr>
+        <p:txBody>
+          <a:bodyPr>
+            <a:noAutofit/>
+          </a:bodyPr>
+          <a:lstStyle/>
+          <a:p>
+            <a:r>
+              <a:rPr lang="en-US" sz="2800" dirty="0"/>
+              <a:t>The Renewable Energy Potential (V) Model</a:t>
+            </a:r>
+          </a:p>
+        </p:txBody>
+      </p:sp>
+      <p:pic>
+        <p:nvPicPr>
+          <p:cNvPr id="4" name="Picture 3" descr="C:\Users\sgossett\Pictures\39971.jpg"/>
+          <p:cNvPicPr>
+            <a:picLocks noChangeAspect="1" noChangeArrowheads="1"/>
+          </p:cNvPicPr>
+          <p:nvPr/>
+        </p:nvPicPr>
+        <p:blipFill rotWithShape="1">
+          <a:blip r:embed="rId3" cstate="hqprint">
+            <a:extLst>
+              <a:ext uri="{28A0092B-C50C-407E-A947-70E740481C1C}">
+                <a14:useLocalDpi xmlns:a14="http://schemas.microsoft.com/office/drawing/2010/main"/>
+              </a:ext>
+            </a:extLst>
+          </a:blip>
+          <a:srcRect/>
+          <a:stretch/>
+        </p:blipFill>
+        <p:spPr bwMode="auto">
+          <a:xfrm>
+            <a:off x="5787628" y="552492"/>
+            <a:ext cx="3014754" cy="4443607"/>
+          </a:xfrm>
+          <a:prstGeom prst="rect">
+            <a:avLst/>
+          </a:prstGeom>
+          <a:noFill/>
+          <a:extLst>
+            <a:ext uri="{909E8E84-426E-40dd-AFC4-6F175D3DCCD1}">
+              <a14:hiddenFill xmlns:a14="http://schemas.microsoft.com/office/drawing/2010/main" xmlns="">
+                <a:solidFill>
+                  <a:srgbClr val="FFFFFF"/>
+                </a:solidFill>
+              </a14:hiddenFill>
+            </a:ext>
+          </a:extLst>
+        </p:spPr>
+      </p:pic>
+      <p:sp>
+        <p:nvSpPr>
+          <p:cNvPr id="7" name="TextBox 6">
+            <a:extLst>
+              <a:ext uri="{FF2B5EF4-FFF2-40B4-BE49-F238E27FC236}">
+                <a16:creationId xmlns:a16="http://schemas.microsoft.com/office/drawing/2014/main" id="{9793A477-B618-C24B-BF4B-D3DA2014EB02}"/>
+              </a:ext>
+            </a:extLst>
+          </p:cNvPr>
+          <p:cNvSpPr txBox="1"/>
+          <p:nvPr/>
+        </p:nvSpPr>
+        <p:spPr>
+          <a:xfrm>
+            <a:off x="457200" y="900953"/>
+            <a:ext cx="3538148" cy="369332"/>
+          </a:xfrm>
+          <a:prstGeom prst="rect">
+            <a:avLst/>
+          </a:prstGeom>
+          <a:noFill/>
+        </p:spPr>
+        <p:txBody>
+          <a:bodyPr wrap="none" rtlCol="0">
+            <a:spAutoFit/>
+          </a:bodyPr>
+          <a:lstStyle/>
+          <a:p>
+            <a:r>
+              <a:rPr lang="en-US" dirty="0"/>
+              <a:t>Here let’s introduce SAM real quick.</a:t>
+            </a:r>
+          </a:p>
+        </p:txBody>
+      </p:sp>
+    </p:spTree>
+    <p:extLst>
+      <p:ext uri="{BB962C8B-B14F-4D97-AF65-F5344CB8AC3E}">
+        <p14:creationId xmlns:p14="http://schemas.microsoft.com/office/powerpoint/2010/main" val="625127786"/>
+      </p:ext>
+    </p:extLst>
+  </p:cSld>
+  <p:clrMapOvr>
+    <a:masterClrMapping/>
+  </p:clrMapOvr>
+</p:sld>
+</file>
+
+<file path=ppt/slides/slide8.xml><?xml version="1.0" encoding="utf-8"?>
+<p:sld xmlns:a="http://schemas.openxmlformats.org/drawingml/2006/main" xmlns:r="http://schemas.openxmlformats.org/officeDocument/2006/relationships" xmlns:p="http://schemas.openxmlformats.org/presentationml/2006/main">
+  <p:cSld>
+    <p:spTree>
+      <p:nvGrpSpPr>
+        <p:cNvPr id="1" name=""/>
+        <p:cNvGrpSpPr/>
+        <p:nvPr/>
+      </p:nvGrpSpPr>
+      <p:grpSpPr>
+        <a:xfrm>
+          <a:off x="0" y="0"/>
+          <a:ext cx="0" cy="0"/>
+          <a:chOff x="0" y="0"/>
+          <a:chExt cx="0" cy="0"/>
+        </a:xfrm>
+      </p:grpSpPr>
+      <p:sp>
+        <p:nvSpPr>
+          <p:cNvPr id="3" name="Title 2"/>
+          <p:cNvSpPr>
+            <a:spLocks noGrp="1"/>
+          </p:cNvSpPr>
+          <p:nvPr>
+            <p:ph type="title"/>
+          </p:nvPr>
+        </p:nvSpPr>
+        <p:spPr>
+          <a:noFill/>
+        </p:spPr>
+        <p:txBody>
+          <a:bodyPr>
+            <a:noAutofit/>
+          </a:bodyPr>
+          <a:lstStyle/>
+          <a:p>
+            <a:r>
+              <a:rPr lang="en-US" sz="2800" dirty="0"/>
+              <a:t>The Renewable Energy Potential (V) Model</a:t>
+            </a:r>
+          </a:p>
+        </p:txBody>
+      </p:sp>
+      <p:pic>
+        <p:nvPicPr>
+          <p:cNvPr id="4" name="Picture 3" descr="C:\Users\sgossett\Pictures\39971.jpg"/>
+          <p:cNvPicPr>
+            <a:picLocks noChangeAspect="1" noChangeArrowheads="1"/>
+          </p:cNvPicPr>
+          <p:nvPr/>
+        </p:nvPicPr>
+        <p:blipFill rotWithShape="1">
+          <a:blip r:embed="rId3" cstate="hqprint">
+            <a:extLst>
+              <a:ext uri="{28A0092B-C50C-407E-A947-70E740481C1C}">
+                <a14:useLocalDpi xmlns:a14="http://schemas.microsoft.com/office/drawing/2010/main"/>
+              </a:ext>
+            </a:extLst>
+          </a:blip>
+          <a:srcRect/>
+          <a:stretch/>
+        </p:blipFill>
+        <p:spPr bwMode="auto">
+          <a:xfrm>
+            <a:off x="5787628" y="552492"/>
+            <a:ext cx="3014754" cy="4443607"/>
+          </a:xfrm>
+          <a:prstGeom prst="rect">
+            <a:avLst/>
+          </a:prstGeom>
+          <a:noFill/>
+          <a:extLst>
+            <a:ext uri="{909E8E84-426E-40dd-AFC4-6F175D3DCCD1}">
+              <a14:hiddenFill xmlns="" xmlns:a14="http://schemas.microsoft.com/office/drawing/2010/main">
+                <a:solidFill>
+                  <a:srgbClr val="FFFFFF"/>
+                </a:solidFill>
+              </a14:hiddenFill>
+            </a:ext>
+          </a:extLst>
+        </p:spPr>
+      </p:pic>
+      <p:sp>
+        <p:nvSpPr>
+          <p:cNvPr id="7" name="TextBox 6">
+            <a:extLst>
+              <a:ext uri="{FF2B5EF4-FFF2-40B4-BE49-F238E27FC236}">
+                <a16:creationId xmlns:a16="http://schemas.microsoft.com/office/drawing/2014/main" id="{9793A477-B618-C24B-BF4B-D3DA2014EB02}"/>
+              </a:ext>
+            </a:extLst>
+          </p:cNvPr>
+          <p:cNvSpPr txBox="1"/>
+          <p:nvPr/>
+        </p:nvSpPr>
+        <p:spPr>
+          <a:xfrm>
+            <a:off x="457200" y="900953"/>
+            <a:ext cx="3677802" cy="369332"/>
+          </a:xfrm>
+          <a:prstGeom prst="rect">
+            <a:avLst/>
+          </a:prstGeom>
+          <a:noFill/>
+        </p:spPr>
+        <p:txBody>
+          <a:bodyPr wrap="none" rtlCol="0">
+            <a:spAutoFit/>
+          </a:bodyPr>
+          <a:lstStyle/>
+          <a:p>
+            <a:r>
+              <a:rPr lang="en-US" dirty="0"/>
+              <a:t>Here, the general workflow diagram</a:t>
+            </a:r>
+          </a:p>
+        </p:txBody>
+      </p:sp>
+    </p:spTree>
+    <p:extLst>
+      <p:ext uri="{BB962C8B-B14F-4D97-AF65-F5344CB8AC3E}">
+        <p14:creationId xmlns:p14="http://schemas.microsoft.com/office/powerpoint/2010/main" val="1973792588"/>
+      </p:ext>
+    </p:extLst>
+  </p:cSld>
+  <p:clrMapOvr>
+    <a:masterClrMapping/>
+  </p:clrMapOvr>
+</p:sld>
+</file>
+
+<file path=ppt/slides/slide9.xml><?xml version="1.0" encoding="utf-8"?>
+<p:sld xmlns:a="http://schemas.openxmlformats.org/drawingml/2006/main" xmlns:r="http://schemas.openxmlformats.org/officeDocument/2006/relationships" xmlns:p="http://schemas.openxmlformats.org/presentationml/2006/main">
+  <p:cSld>
+    <p:spTree>
+      <p:nvGrpSpPr>
+        <p:cNvPr id="1" name=""/>
+        <p:cNvGrpSpPr/>
+        <p:nvPr/>
+      </p:nvGrpSpPr>
+      <p:grpSpPr>
+        <a:xfrm>
+          <a:off x="0" y="0"/>
+          <a:ext cx="0" cy="0"/>
+          <a:chOff x="0" y="0"/>
+          <a:chExt cx="0" cy="0"/>
+        </a:xfrm>
+      </p:grpSpPr>
+      <p:sp>
+        <p:nvSpPr>
+          <p:cNvPr id="3" name="Title 2"/>
+          <p:cNvSpPr>
+            <a:spLocks noGrp="1"/>
+          </p:cNvSpPr>
+          <p:nvPr>
+            <p:ph type="title"/>
+          </p:nvPr>
+        </p:nvSpPr>
+        <p:spPr>
+          <a:noFill/>
+        </p:spPr>
+        <p:txBody>
+          <a:bodyPr>
+            <a:noAutofit/>
+          </a:bodyPr>
+          <a:lstStyle/>
+          <a:p>
+            <a:r>
+              <a:rPr lang="en-US" sz="2800" dirty="0"/>
+              <a:t>The Renewable Energy Potential (V) Model</a:t>
+            </a:r>
+          </a:p>
+        </p:txBody>
+      </p:sp>
+      <p:pic>
+        <p:nvPicPr>
+          <p:cNvPr id="4" name="Picture 3" descr="C:\Users\sgossett\Pictures\39971.jpg"/>
+          <p:cNvPicPr>
+            <a:picLocks noChangeAspect="1" noChangeArrowheads="1"/>
+          </p:cNvPicPr>
+          <p:nvPr/>
+        </p:nvPicPr>
+        <p:blipFill rotWithShape="1">
+          <a:blip r:embed="rId3" cstate="hqprint">
+            <a:extLst>
+              <a:ext uri="{28A0092B-C50C-407E-A947-70E740481C1C}">
+                <a14:useLocalDpi xmlns:a14="http://schemas.microsoft.com/office/drawing/2010/main"/>
+              </a:ext>
+            </a:extLst>
+          </a:blip>
+          <a:srcRect/>
+          <a:stretch/>
+        </p:blipFill>
+        <p:spPr bwMode="auto">
+          <a:xfrm>
+            <a:off x="5787628" y="552492"/>
+            <a:ext cx="3014754" cy="4443607"/>
+          </a:xfrm>
+          <a:prstGeom prst="rect">
+            <a:avLst/>
+          </a:prstGeom>
+          <a:noFill/>
+          <a:extLst>
+            <a:ext uri="{909E8E84-426E-40dd-AFC4-6F175D3DCCD1}">
+              <a14:hiddenFill xmlns:a14="http://schemas.microsoft.com/office/drawing/2010/main" xmlns="">
+                <a:solidFill>
+                  <a:srgbClr val="FFFFFF"/>
+                </a:solidFill>
+              </a14:hiddenFill>
+            </a:ext>
+          </a:extLst>
+        </p:spPr>
+      </p:pic>
+      <p:sp>
+        <p:nvSpPr>
+          <p:cNvPr id="7" name="TextBox 6">
+            <a:extLst>
+              <a:ext uri="{FF2B5EF4-FFF2-40B4-BE49-F238E27FC236}">
+                <a16:creationId xmlns:a16="http://schemas.microsoft.com/office/drawing/2014/main" id="{9793A477-B618-C24B-BF4B-D3DA2014EB02}"/>
+              </a:ext>
+            </a:extLst>
+          </p:cNvPr>
+          <p:cNvSpPr txBox="1"/>
+          <p:nvPr/>
+        </p:nvSpPr>
+        <p:spPr>
+          <a:xfrm>
+            <a:off x="457200" y="900953"/>
+            <a:ext cx="5090176" cy="646331"/>
+          </a:xfrm>
+          <a:prstGeom prst="rect">
+            <a:avLst/>
+          </a:prstGeom>
+          <a:noFill/>
+        </p:spPr>
+        <p:txBody>
+          <a:bodyPr wrap="none" rtlCol="0">
+            <a:spAutoFit/>
+          </a:bodyPr>
+          <a:lstStyle/>
+          <a:p>
+            <a:r>
+              <a:rPr lang="en-US" dirty="0"/>
+              <a:t>Here, list all the technologies from SAM that reV can</a:t>
+            </a:r>
+          </a:p>
+          <a:p>
+            <a:r>
+              <a:rPr lang="en-US" dirty="0"/>
+              <a:t>currently handle</a:t>
+            </a:r>
+          </a:p>
+        </p:txBody>
+      </p:sp>
+    </p:spTree>
+    <p:extLst>
+      <p:ext uri="{BB962C8B-B14F-4D97-AF65-F5344CB8AC3E}">
+        <p14:creationId xmlns:p14="http://schemas.microsoft.com/office/powerpoint/2010/main" val="2705107668"/>
       </p:ext>
     </p:extLst>
   </p:cSld>
@@ -24315,25 +27011,6 @@
 </file>
 
 <file path=customXml/item1.xml><?xml version="1.0" encoding="utf-8"?>
-<p:properties xmlns:p="http://schemas.microsoft.com/office/2006/metadata/properties" xmlns:xsi="http://www.w3.org/2001/XMLSchema-instance" xmlns:pc="http://schemas.microsoft.com/office/infopath/2007/PartnerControls">
-  <documentManagement>
-    <SharedWithUsers xmlns="26b693f7-fb4c-4dde-b6df-b80d1f1746fb">
-      <UserInfo>
-        <DisplayName>Joshi, Mohit Chandra</DisplayName>
-        <AccountId>53</AccountId>
-        <AccountType/>
-      </UserInfo>
-      <UserInfo>
-        <DisplayName>Novacheck, Joshua</DisplayName>
-        <AccountId>54</AccountId>
-        <AccountType/>
-      </UserInfo>
-    </SharedWithUsers>
-  </documentManagement>
-</p:properties>
-</file>
-
-<file path=customXml/item2.xml><?xml version="1.0" encoding="utf-8"?>
 <ct:contentTypeSchema xmlns:ct="http://schemas.microsoft.com/office/2006/metadata/contentType" xmlns:ma="http://schemas.microsoft.com/office/2006/metadata/properties/metaAttributes" ct:_="" ma:_="" ma:contentTypeName="Document" ma:contentTypeID="0x0101000D2D51D7801CF449834CBFA056CFDE59" ma:contentTypeVersion="12" ma:contentTypeDescription="Create a new document." ma:contentTypeScope="" ma:versionID="ddc9d662d34ae3472c669a47a0425881">
   <xsd:schema xmlns:xsd="http://www.w3.org/2001/XMLSchema" xmlns:xs="http://www.w3.org/2001/XMLSchema" xmlns:p="http://schemas.microsoft.com/office/2006/metadata/properties" xmlns:ns2="a4462e40-ad58-45a0-827b-7e07958d93aa" xmlns:ns3="26b693f7-fb4c-4dde-b6df-b80d1f1746fb" targetNamespace="http://schemas.microsoft.com/office/2006/metadata/properties" ma:root="true" ma:fieldsID="9373521b7cd008cc996af4f4fd45d58f" ns2:_="" ns3:_="">
     <xsd:import namespace="a4462e40-ad58-45a0-827b-7e07958d93aa"/>
@@ -24550,6 +27227,25 @@
 </ct:contentTypeSchema>
 </file>
 
+<file path=customXml/item2.xml><?xml version="1.0" encoding="utf-8"?>
+<p:properties xmlns:p="http://schemas.microsoft.com/office/2006/metadata/properties" xmlns:xsi="http://www.w3.org/2001/XMLSchema-instance" xmlns:pc="http://schemas.microsoft.com/office/infopath/2007/PartnerControls">
+  <documentManagement>
+    <SharedWithUsers xmlns="26b693f7-fb4c-4dde-b6df-b80d1f1746fb">
+      <UserInfo>
+        <DisplayName>Joshi, Mohit Chandra</DisplayName>
+        <AccountId>53</AccountId>
+        <AccountType/>
+      </UserInfo>
+      <UserInfo>
+        <DisplayName>Novacheck, Joshua</DisplayName>
+        <AccountId>54</AccountId>
+        <AccountType/>
+      </UserInfo>
+    </SharedWithUsers>
+  </documentManagement>
+</p:properties>
+</file>
+
 <file path=customXml/item3.xml><?xml version="1.0" encoding="utf-8"?>
 <?mso-contentType ?>
 <FormTemplates xmlns="http://schemas.microsoft.com/sharepoint/v3/contenttype/forms">
@@ -24560,23 +27256,6 @@
 </file>
 
 <file path=customXml/itemProps1.xml><?xml version="1.0" encoding="utf-8"?>
-<ds:datastoreItem xmlns:ds="http://schemas.openxmlformats.org/officeDocument/2006/customXml" ds:itemID="{4ED28391-6A4C-433D-B845-812AB7EA2151}">
-  <ds:schemaRefs>
-    <ds:schemaRef ds:uri="http://purl.org/dc/dcmitype/"/>
-    <ds:schemaRef ds:uri="http://purl.org/dc/elements/1.1/"/>
-    <ds:schemaRef ds:uri="http://www.w3.org/XML/1998/namespace"/>
-    <ds:schemaRef ds:uri="http://schemas.microsoft.com/office/2006/documentManagement/types"/>
-    <ds:schemaRef ds:uri="http://schemas.microsoft.com/office/2006/metadata/properties"/>
-    <ds:schemaRef ds:uri="http://purl.org/dc/terms/"/>
-    <ds:schemaRef ds:uri="http://schemas.microsoft.com/office/infopath/2007/PartnerControls"/>
-    <ds:schemaRef ds:uri="http://schemas.openxmlformats.org/package/2006/metadata/core-properties"/>
-    <ds:schemaRef ds:uri="26b693f7-fb4c-4dde-b6df-b80d1f1746fb"/>
-    <ds:schemaRef ds:uri="a4462e40-ad58-45a0-827b-7e07958d93aa"/>
-  </ds:schemaRefs>
-</ds:datastoreItem>
-</file>
-
-<file path=customXml/itemProps2.xml><?xml version="1.0" encoding="utf-8"?>
 <ds:datastoreItem xmlns:ds="http://schemas.openxmlformats.org/officeDocument/2006/customXml" ds:itemID="{79E421C7-EA32-4155-96C4-3366D78C6837}">
   <ds:schemaRefs>
     <ds:schemaRef ds:uri="http://schemas.microsoft.com/office/2006/metadata/contentType"/>
@@ -24595,6 +27274,23 @@
 </ds:datastoreItem>
 </file>
 
+<file path=customXml/itemProps2.xml><?xml version="1.0" encoding="utf-8"?>
+<ds:datastoreItem xmlns:ds="http://schemas.openxmlformats.org/officeDocument/2006/customXml" ds:itemID="{4ED28391-6A4C-433D-B845-812AB7EA2151}">
+  <ds:schemaRefs>
+    <ds:schemaRef ds:uri="http://purl.org/dc/dcmitype/"/>
+    <ds:schemaRef ds:uri="http://purl.org/dc/elements/1.1/"/>
+    <ds:schemaRef ds:uri="http://www.w3.org/XML/1998/namespace"/>
+    <ds:schemaRef ds:uri="http://schemas.microsoft.com/office/2006/documentManagement/types"/>
+    <ds:schemaRef ds:uri="http://schemas.microsoft.com/office/2006/metadata/properties"/>
+    <ds:schemaRef ds:uri="http://purl.org/dc/terms/"/>
+    <ds:schemaRef ds:uri="http://schemas.microsoft.com/office/infopath/2007/PartnerControls"/>
+    <ds:schemaRef ds:uri="http://schemas.openxmlformats.org/package/2006/metadata/core-properties"/>
+    <ds:schemaRef ds:uri="26b693f7-fb4c-4dde-b6df-b80d1f1746fb"/>
+    <ds:schemaRef ds:uri="a4462e40-ad58-45a0-827b-7e07958d93aa"/>
+  </ds:schemaRefs>
+</ds:datastoreItem>
+</file>
+
 <file path=customXml/itemProps3.xml><?xml version="1.0" encoding="utf-8"?>
 <ds:datastoreItem xmlns:ds="http://schemas.openxmlformats.org/officeDocument/2006/customXml" ds:itemID="{1023CEA8-3202-450F-8F68-60E7BBDC9E56}">
   <ds:schemaRefs>
